--- a/base/module/3.node基础培训.pptx
+++ b/base/module/3.node基础培训.pptx
@@ -16,13 +16,13 @@
     <p:sldId id="256" r:id="rId5"/>
     <p:sldId id="286" r:id="rId6"/>
     <p:sldId id="284" r:id="rId7"/>
-    <p:sldId id="272" r:id="rId8"/>
-    <p:sldId id="261" r:id="rId9"/>
-    <p:sldId id="266" r:id="rId10"/>
-    <p:sldId id="294" r:id="rId11"/>
-    <p:sldId id="307" r:id="rId12"/>
-    <p:sldId id="308" r:id="rId13"/>
-    <p:sldId id="311" r:id="rId14"/>
+    <p:sldId id="314" r:id="rId8"/>
+    <p:sldId id="272" r:id="rId9"/>
+    <p:sldId id="261" r:id="rId10"/>
+    <p:sldId id="266" r:id="rId11"/>
+    <p:sldId id="294" r:id="rId12"/>
+    <p:sldId id="307" r:id="rId13"/>
+    <p:sldId id="308" r:id="rId14"/>
     <p:sldId id="263" r:id="rId15"/>
     <p:sldId id="313" r:id="rId16"/>
   </p:sldIdLst>
@@ -34690,42 +34690,243 @@
       </p:grpSpPr>
       <p:sp>
         <p:nvSpPr>
-          <p:cNvPr id="10242" name="标题 1"/>
-          <p:cNvSpPr>
-            <a:spLocks noGrp="1"/>
-          </p:cNvSpPr>
+          <p:cNvPr id="13" name="流程图: 数据 12"/>
+          <p:cNvSpPr/>
           <p:nvPr>
-            <p:ph type="title" idx="4294967295"/>
+            <p:custDataLst>
+              <p:tags r:id="rId1"/>
+            </p:custDataLst>
           </p:nvPr>
         </p:nvSpPr>
         <p:spPr>
-          <a:xfrm>
-            <a:off x="323850" y="33338"/>
-            <a:ext cx="6072188" cy="571500"/>
+          <a:xfrm flipH="1">
+            <a:off x="0" y="857250"/>
+            <a:ext cx="9144000" cy="5143691"/>
           </a:xfrm>
+          <a:prstGeom prst="flowChartInputOutput">
+            <a:avLst/>
+          </a:prstGeom>
+          <a:solidFill>
+            <a:srgbClr val="FFFFFF">
+              <a:lumMod val="95000"/>
+            </a:srgbClr>
+          </a:solidFill>
+          <a:ln>
+            <a:noFill/>
+          </a:ln>
         </p:spPr>
+        <p:style>
+          <a:lnRef idx="2">
+            <a:srgbClr val="1E6BC5">
+              <a:shade val="50000"/>
+            </a:srgbClr>
+          </a:lnRef>
+          <a:fillRef idx="1">
+            <a:srgbClr val="1E6BC5"/>
+          </a:fillRef>
+          <a:effectRef idx="0">
+            <a:srgbClr val="1E6BC5"/>
+          </a:effectRef>
+          <a:fontRef idx="minor">
+            <a:srgbClr val="FFFFFF"/>
+          </a:fontRef>
+        </p:style>
         <p:txBody>
-          <a:bodyPr/>
-          <a:lstStyle/>
+          <a:bodyPr rtlCol="0" anchor="ctr"/>
           <a:p>
-            <a:r>
-              <a:rPr lang="zh-CN" altLang="en-US" sz="3200" b="1" dirty="0"/>
-              <a:t>网络爬虫</a:t>
-            </a:r>
-            <a:endParaRPr lang="zh-CN" altLang="en-US" sz="3200" b="1" dirty="0"/>
+            <a:pPr algn="ctr"/>
+            <a:endParaRPr kumimoji="1" lang="zh-CN" altLang="en-US" sz="1200" b="1" dirty="0">
+              <a:solidFill>
+                <a:srgbClr val="FFFFFF"/>
+              </a:solidFill>
+              <a:latin typeface="微软雅黑" panose="020B0503020204020204" pitchFamily="34" charset="-122"/>
+            </a:endParaRPr>
           </a:p>
         </p:txBody>
       </p:sp>
       <p:sp>
         <p:nvSpPr>
-          <p:cNvPr id="2" name="文本框 1"/>
-          <p:cNvSpPr txBox="1"/>
-          <p:nvPr/>
+          <p:cNvPr id="14" name="矩形 13"/>
+          <p:cNvSpPr/>
+          <p:nvPr>
+            <p:custDataLst>
+              <p:tags r:id="rId2"/>
+            </p:custDataLst>
+          </p:nvPr>
         </p:nvSpPr>
         <p:spPr>
           <a:xfrm>
-            <a:off x="923290" y="1859915"/>
-            <a:ext cx="6629400" cy="1198880"/>
+            <a:off x="0" y="1784648"/>
+            <a:ext cx="9144000" cy="3685226"/>
+          </a:xfrm>
+          <a:prstGeom prst="rect">
+            <a:avLst/>
+          </a:prstGeom>
+          <a:pattFill prst="ltHorz">
+            <a:fgClr>
+              <a:srgbClr val="FFFFFF">
+                <a:lumMod val="95000"/>
+              </a:srgbClr>
+            </a:fgClr>
+            <a:bgClr>
+              <a:srgbClr val="FFFFFF"/>
+            </a:bgClr>
+          </a:pattFill>
+          <a:ln>
+            <a:noFill/>
+          </a:ln>
+        </p:spPr>
+        <p:style>
+          <a:lnRef idx="2">
+            <a:srgbClr val="1E6BC5">
+              <a:shade val="50000"/>
+            </a:srgbClr>
+          </a:lnRef>
+          <a:fillRef idx="1">
+            <a:srgbClr val="1E6BC5"/>
+          </a:fillRef>
+          <a:effectRef idx="0">
+            <a:srgbClr val="1E6BC5"/>
+          </a:effectRef>
+          <a:fontRef idx="minor">
+            <a:srgbClr val="FFFFFF"/>
+          </a:fontRef>
+        </p:style>
+        <p:txBody>
+          <a:bodyPr rtlCol="0" anchor="ctr"/>
+          <a:p>
+            <a:pPr algn="ctr"/>
+            <a:endParaRPr kumimoji="1" lang="zh-CN" altLang="en-US" sz="1200" b="1">
+              <a:solidFill>
+                <a:srgbClr val="FFFFFF"/>
+              </a:solidFill>
+              <a:latin typeface="微软雅黑" panose="020B0503020204020204" pitchFamily="34" charset="-122"/>
+            </a:endParaRPr>
+          </a:p>
+        </p:txBody>
+      </p:sp>
+      <p:sp>
+        <p:nvSpPr>
+          <p:cNvPr id="15" name="矩形 14"/>
+          <p:cNvSpPr/>
+          <p:nvPr>
+            <p:custDataLst>
+              <p:tags r:id="rId3"/>
+            </p:custDataLst>
+          </p:nvPr>
+        </p:nvSpPr>
+        <p:spPr>
+          <a:xfrm>
+            <a:off x="5904000" y="1560887"/>
+            <a:ext cx="3240000" cy="13500"/>
+          </a:xfrm>
+          <a:prstGeom prst="rect">
+            <a:avLst/>
+          </a:prstGeom>
+          <a:solidFill>
+            <a:srgbClr val="1E6BC5"/>
+          </a:solidFill>
+          <a:ln>
+            <a:noFill/>
+          </a:ln>
+        </p:spPr>
+        <p:style>
+          <a:lnRef idx="2">
+            <a:srgbClr val="1E6BC5">
+              <a:shade val="50000"/>
+            </a:srgbClr>
+          </a:lnRef>
+          <a:fillRef idx="1">
+            <a:srgbClr val="1E6BC5"/>
+          </a:fillRef>
+          <a:effectRef idx="0">
+            <a:srgbClr val="1E6BC5"/>
+          </a:effectRef>
+          <a:fontRef idx="minor">
+            <a:srgbClr val="FFFFFF"/>
+          </a:fontRef>
+        </p:style>
+        <p:txBody>
+          <a:bodyPr rtlCol="0" anchor="ctr"/>
+          <a:p>
+            <a:pPr algn="ctr"/>
+            <a:endParaRPr kumimoji="1" lang="zh-CN" altLang="en-US" sz="1200" b="1">
+              <a:solidFill>
+                <a:srgbClr val="FFFFFF"/>
+              </a:solidFill>
+              <a:latin typeface="微软雅黑" panose="020B0503020204020204" pitchFamily="34" charset="-122"/>
+            </a:endParaRPr>
+          </a:p>
+        </p:txBody>
+      </p:sp>
+      <p:sp>
+        <p:nvSpPr>
+          <p:cNvPr id="16" name="矩形 15"/>
+          <p:cNvSpPr/>
+          <p:nvPr>
+            <p:custDataLst>
+              <p:tags r:id="rId4"/>
+            </p:custDataLst>
+          </p:nvPr>
+        </p:nvSpPr>
+        <p:spPr>
+          <a:xfrm>
+            <a:off x="-1" y="5657093"/>
+            <a:ext cx="4860000" cy="13500"/>
+          </a:xfrm>
+          <a:prstGeom prst="rect">
+            <a:avLst/>
+          </a:prstGeom>
+          <a:solidFill>
+            <a:srgbClr val="1E6BC5"/>
+          </a:solidFill>
+          <a:ln>
+            <a:noFill/>
+          </a:ln>
+        </p:spPr>
+        <p:style>
+          <a:lnRef idx="2">
+            <a:srgbClr val="1E6BC5">
+              <a:shade val="50000"/>
+            </a:srgbClr>
+          </a:lnRef>
+          <a:fillRef idx="1">
+            <a:srgbClr val="1E6BC5"/>
+          </a:fillRef>
+          <a:effectRef idx="0">
+            <a:srgbClr val="1E6BC5"/>
+          </a:effectRef>
+          <a:fontRef idx="minor">
+            <a:srgbClr val="FFFFFF"/>
+          </a:fontRef>
+        </p:style>
+        <p:txBody>
+          <a:bodyPr rtlCol="0" anchor="ctr"/>
+          <a:p>
+            <a:pPr algn="ctr"/>
+            <a:endParaRPr kumimoji="1" lang="zh-CN" altLang="en-US" sz="1200" b="1">
+              <a:solidFill>
+                <a:srgbClr val="FFFFFF"/>
+              </a:solidFill>
+              <a:latin typeface="微软雅黑" panose="020B0503020204020204" pitchFamily="34" charset="-122"/>
+            </a:endParaRPr>
+          </a:p>
+        </p:txBody>
+      </p:sp>
+      <p:sp>
+        <p:nvSpPr>
+          <p:cNvPr id="17" name="文本框 16"/>
+          <p:cNvSpPr txBox="1"/>
+          <p:nvPr>
+            <p:custDataLst>
+              <p:tags r:id="rId5"/>
+            </p:custDataLst>
+          </p:nvPr>
+        </p:nvSpPr>
+        <p:spPr>
+          <a:xfrm>
+            <a:off x="502412" y="1933913"/>
+            <a:ext cx="8139178" cy="3371513"/>
           </a:xfrm>
           <a:prstGeom prst="rect">
             <a:avLst/>
@@ -34733,19 +34934,276 @@
           <a:noFill/>
         </p:spPr>
         <p:txBody>
-          <a:bodyPr wrap="square" rtlCol="0" anchor="t">
-            <a:spAutoFit/>
+          <a:bodyPr wrap="square" lIns="76200" tIns="0" rIns="61912" bIns="0" rtlCol="0">
+            <a:noAutofit/>
           </a:bodyPr>
+          <a:lstStyle>
+            <a:defPPr>
+              <a:defRPr lang="zh-CN"/>
+            </a:defPPr>
+            <a:lvl1pPr fontAlgn="auto">
+              <a:lnSpc>
+                <a:spcPct val="130000"/>
+              </a:lnSpc>
+              <a:spcAft>
+                <a:spcPts val="1000"/>
+              </a:spcAft>
+              <a:defRPr sz="1600" spc="150"/>
+            </a:lvl1pPr>
+          </a:lstStyle>
           <a:p>
+            <a:pPr marL="358775" indent="-358775" fontAlgn="ctr">
+              <a:spcBef>
+                <a:spcPts val="1000"/>
+              </a:spcBef>
+              <a:spcAft>
+                <a:spcPts val="0"/>
+              </a:spcAft>
+              <a:buSzPct val="130000"/>
+              <a:buFont typeface="WPS-Bullets" pitchFamily="2" charset="0"/>
+              <a:buChar char=""/>
+            </a:pPr>
+            <a:endParaRPr lang="zh-CN" altLang="en-US" sz="1200" dirty="0">
+              <a:solidFill>
+                <a:schemeClr val="tx1"/>
+              </a:solidFill>
+              <a:uFillTx/>
+              <a:latin typeface="微软雅黑" panose="020B0503020204020204" pitchFamily="34" charset="-122"/>
+              <a:ea typeface="微软雅黑" panose="020B0503020204020204" pitchFamily="34" charset="-122"/>
+              <a:sym typeface="+mn-ea"/>
+            </a:endParaRPr>
+          </a:p>
+          <a:p>
+            <a:pPr marL="358775" indent="-358775" fontAlgn="ctr">
+              <a:spcBef>
+                <a:spcPts val="1000"/>
+              </a:spcBef>
+              <a:spcAft>
+                <a:spcPts val="0"/>
+              </a:spcAft>
+              <a:buSzPct val="130000"/>
+              <a:buFont typeface="WPS-Bullets" pitchFamily="2" charset="0"/>
+              <a:buChar char=""/>
+            </a:pPr>
             <a:r>
-              <a:rPr lang="zh-CN" altLang="en-US"/>
-              <a:t>网络爬虫（又被称为网页蜘蛛，网络机器人，在FOAF社区中间，更经常的称为网页追逐者），是一种按照一定的规则，自动地抓取万维网信息的程序或者脚本。另外一些不常使用的名字还有蚂蚁、自动索引、模拟程序或者蠕虫。</a:t>
+              <a:rPr lang="en-US" altLang="zh-CN" sz="2400" b="1" dirty="0">
+                <a:solidFill>
+                  <a:schemeClr val="tx1"/>
+                </a:solidFill>
+                <a:uFillTx/>
+                <a:latin typeface="微软雅黑" panose="020B0503020204020204" pitchFamily="34" charset="-122"/>
+                <a:ea typeface="微软雅黑" panose="020B0503020204020204" pitchFamily="34" charset="-122"/>
+                <a:sym typeface="+mn-ea"/>
+              </a:rPr>
+              <a:t>fs </a:t>
             </a:r>
-            <a:endParaRPr lang="zh-CN" altLang="en-US"/>
+            <a:r>
+              <a:rPr lang="zh-CN" altLang="en-US" sz="2400" b="1" dirty="0">
+                <a:solidFill>
+                  <a:schemeClr val="tx1"/>
+                </a:solidFill>
+                <a:uFillTx/>
+                <a:latin typeface="微软雅黑" panose="020B0503020204020204" pitchFamily="34" charset="-122"/>
+                <a:ea typeface="微软雅黑" panose="020B0503020204020204" pitchFamily="34" charset="-122"/>
+                <a:sym typeface="+mn-ea"/>
+              </a:rPr>
+              <a:t>文件操作</a:t>
+            </a:r>
+            <a:endParaRPr lang="zh-CN" altLang="en-US" sz="2400" b="1" dirty="0">
+              <a:solidFill>
+                <a:schemeClr val="tx1"/>
+              </a:solidFill>
+              <a:uFillTx/>
+              <a:latin typeface="微软雅黑" panose="020B0503020204020204" pitchFamily="34" charset="-122"/>
+              <a:ea typeface="微软雅黑" panose="020B0503020204020204" pitchFamily="34" charset="-122"/>
+              <a:sym typeface="+mn-ea"/>
+            </a:endParaRPr>
+          </a:p>
+          <a:p>
+            <a:pPr marL="358775" indent="-358775" fontAlgn="ctr">
+              <a:spcBef>
+                <a:spcPts val="1000"/>
+              </a:spcBef>
+              <a:spcAft>
+                <a:spcPts val="0"/>
+              </a:spcAft>
+              <a:buSzPct val="130000"/>
+              <a:buFont typeface="WPS-Bullets" pitchFamily="2" charset="0"/>
+              <a:buChar char=""/>
+            </a:pPr>
+            <a:r>
+              <a:rPr lang="en-US" altLang="zh-CN" sz="2400" b="1" dirty="0">
+                <a:solidFill>
+                  <a:schemeClr val="tx1"/>
+                </a:solidFill>
+                <a:uFillTx/>
+                <a:latin typeface="微软雅黑" panose="020B0503020204020204" pitchFamily="34" charset="-122"/>
+                <a:ea typeface="微软雅黑" panose="020B0503020204020204" pitchFamily="34" charset="-122"/>
+                <a:sym typeface="+mn-ea"/>
+              </a:rPr>
+              <a:t>stream  </a:t>
+            </a:r>
+            <a:r>
+              <a:rPr lang="zh-CN" altLang="en-US" sz="2400" b="1" dirty="0">
+                <a:solidFill>
+                  <a:schemeClr val="tx1"/>
+                </a:solidFill>
+                <a:uFillTx/>
+                <a:latin typeface="微软雅黑" panose="020B0503020204020204" pitchFamily="34" charset="-122"/>
+                <a:ea typeface="微软雅黑" panose="020B0503020204020204" pitchFamily="34" charset="-122"/>
+                <a:sym typeface="+mn-ea"/>
+              </a:rPr>
+              <a:t>流操作</a:t>
+            </a:r>
+            <a:endParaRPr lang="en-US" altLang="zh-CN" sz="2400" b="1" dirty="0">
+              <a:solidFill>
+                <a:schemeClr val="tx1"/>
+              </a:solidFill>
+              <a:uFillTx/>
+              <a:latin typeface="微软雅黑" panose="020B0503020204020204" pitchFamily="34" charset="-122"/>
+              <a:ea typeface="微软雅黑" panose="020B0503020204020204" pitchFamily="34" charset="-122"/>
+              <a:sym typeface="+mn-ea"/>
+            </a:endParaRPr>
+          </a:p>
+          <a:p>
+            <a:pPr marL="358775" indent="-358775" fontAlgn="ctr">
+              <a:spcBef>
+                <a:spcPts val="1000"/>
+              </a:spcBef>
+              <a:spcAft>
+                <a:spcPts val="0"/>
+              </a:spcAft>
+              <a:buSzPct val="130000"/>
+              <a:buFont typeface="WPS-Bullets" pitchFamily="2" charset="0"/>
+              <a:buChar char=""/>
+            </a:pPr>
+            <a:r>
+              <a:rPr lang="en-US" altLang="zh-CN" sz="2400" b="1" dirty="0">
+                <a:solidFill>
+                  <a:schemeClr val="tx1"/>
+                </a:solidFill>
+                <a:uFillTx/>
+                <a:latin typeface="微软雅黑" panose="020B0503020204020204" pitchFamily="34" charset="-122"/>
+                <a:ea typeface="微软雅黑" panose="020B0503020204020204" pitchFamily="34" charset="-122"/>
+                <a:sym typeface="+mn-ea"/>
+              </a:rPr>
+              <a:t>http  </a:t>
+            </a:r>
+            <a:endParaRPr lang="zh-CN" altLang="en-US" sz="1200" b="1" dirty="0">
+              <a:solidFill>
+                <a:schemeClr val="tx1"/>
+              </a:solidFill>
+              <a:uFillTx/>
+              <a:latin typeface="微软雅黑" panose="020B0503020204020204" pitchFamily="34" charset="-122"/>
+              <a:ea typeface="微软雅黑" panose="020B0503020204020204" pitchFamily="34" charset="-122"/>
+              <a:sym typeface="+mn-ea"/>
+            </a:endParaRPr>
+          </a:p>
+          <a:p>
+            <a:pPr marL="0" indent="0" fontAlgn="ctr">
+              <a:spcBef>
+                <a:spcPts val="1000"/>
+              </a:spcBef>
+              <a:spcAft>
+                <a:spcPts val="0"/>
+              </a:spcAft>
+              <a:buSzPct val="130000"/>
+              <a:buFont typeface="WPS-Bullets" pitchFamily="2" charset="0"/>
+              <a:buNone/>
+            </a:pPr>
+            <a:endParaRPr lang="zh-CN" altLang="en-US" sz="1200" b="1" dirty="0">
+              <a:solidFill>
+                <a:schemeClr val="tx1"/>
+              </a:solidFill>
+              <a:uFillTx/>
+              <a:latin typeface="微软雅黑" panose="020B0503020204020204" pitchFamily="34" charset="-122"/>
+              <a:ea typeface="微软雅黑" panose="020B0503020204020204" pitchFamily="34" charset="-122"/>
+              <a:sym typeface="+mn-ea"/>
+            </a:endParaRPr>
+          </a:p>
+        </p:txBody>
+      </p:sp>
+      <p:sp>
+        <p:nvSpPr>
+          <p:cNvPr id="18" name="文本框 17"/>
+          <p:cNvSpPr txBox="1"/>
+          <p:nvPr>
+            <p:custDataLst>
+              <p:tags r:id="rId6"/>
+            </p:custDataLst>
+          </p:nvPr>
+        </p:nvSpPr>
+        <p:spPr>
+          <a:xfrm>
+            <a:off x="502412" y="1272540"/>
+            <a:ext cx="5324475" cy="468630"/>
+          </a:xfrm>
+          <a:prstGeom prst="rect">
+            <a:avLst/>
+          </a:prstGeom>
+          <a:noFill/>
+        </p:spPr>
+        <p:txBody>
+          <a:bodyPr wrap="square" lIns="76200" tIns="28575" rIns="47625" bIns="28575" rtlCol="0">
+            <a:noAutofit/>
+          </a:bodyPr>
+          <a:lstStyle/>
+          <a:p>
+            <a:pPr marL="0" indent="0" algn="l">
+              <a:lnSpc>
+                <a:spcPct val="100000"/>
+              </a:lnSpc>
+              <a:spcBef>
+                <a:spcPts val="0"/>
+              </a:spcBef>
+              <a:spcAft>
+                <a:spcPts val="0"/>
+              </a:spcAft>
+              <a:buSzPct val="100000"/>
+            </a:pPr>
+            <a:r>
+              <a:rPr lang="zh-CN" altLang="en-US" sz="2700" b="1" spc="300" dirty="0">
+                <a:solidFill>
+                  <a:srgbClr val="000000">
+                    <a:lumMod val="75000"/>
+                    <a:lumOff val="25000"/>
+                  </a:srgbClr>
+                </a:solidFill>
+                <a:latin typeface="Arial" panose="020B0604020202020204" pitchFamily="34" charset="0"/>
+                <a:ea typeface="微软雅黑" panose="020B0503020204020204" pitchFamily="34" charset="-122"/>
+              </a:rPr>
+              <a:t>模块-</a:t>
+            </a:r>
+            <a:r>
+              <a:rPr lang="zh-CN" altLang="en-US" sz="2700" b="1" spc="300" dirty="0">
+                <a:solidFill>
+                  <a:srgbClr val="000000">
+                    <a:lumMod val="75000"/>
+                    <a:lumOff val="25000"/>
+                  </a:srgbClr>
+                </a:solidFill>
+                <a:ea typeface="微软雅黑" panose="020B0503020204020204" pitchFamily="34" charset="-122"/>
+                <a:sym typeface="+mn-ea"/>
+              </a:rPr>
+              <a:t>基本模块</a:t>
+            </a:r>
+            <a:endParaRPr lang="zh-CN" altLang="en-US" sz="2700" b="1" spc="300" dirty="0">
+              <a:solidFill>
+                <a:srgbClr val="000000">
+                  <a:lumMod val="75000"/>
+                  <a:lumOff val="25000"/>
+                </a:srgbClr>
+              </a:solidFill>
+              <a:ea typeface="微软雅黑" panose="020B0503020204020204" pitchFamily="34" charset="-122"/>
+              <a:sym typeface="+mn-ea"/>
+            </a:endParaRPr>
           </a:p>
         </p:txBody>
       </p:sp>
     </p:spTree>
+    <p:custDataLst>
+      <p:tags r:id="rId7"/>
+    </p:custDataLst>
   </p:cSld>
   <p:clrMapOvr>
     <a:masterClrMapping/>
@@ -36259,8 +36717,8 @@
         </p:nvSpPr>
         <p:spPr>
           <a:xfrm>
-            <a:off x="650081" y="2440305"/>
-            <a:ext cx="7843838" cy="3142774"/>
+            <a:off x="287655" y="2440305"/>
+            <a:ext cx="8599170" cy="3142615"/>
           </a:xfrm>
           <a:prstGeom prst="rect">
             <a:avLst/>
@@ -36373,6 +36831,45 @@
                 <a:ea typeface="微软雅黑" panose="020B0503020204020204" pitchFamily="34" charset="-122"/>
               </a:rPr>
               <a:t>话说有个叫Ryan Dahl的歪果仁，他的工作是用C/C++写高性能Web服务。对于高性能，异步IO、事件驱动是基本原则，但是用C/C++写就太痛苦了。于是这位仁兄开始设想用高级语言开发Web服务。他评估了很多种高级语言，发现很多语言虽然同时提供了同步IO和异步IO，但是开发人员一旦用了同步IO，他们就再也懒得写异步IO了，所以，最终，Ryan瞄向了JavaScript。因为JavaScript是单线程执行，根本不能进行同步IO操作，所以，JavaScript的这一“缺陷”导致了它只能使用异步IO。</a:t>
+            </a:r>
+            <a:endParaRPr lang="zh-CN" altLang="en-US" sz="1200" dirty="0">
+              <a:solidFill>
+                <a:srgbClr val="000000">
+                  <a:lumMod val="75000"/>
+                  <a:lumOff val="25000"/>
+                </a:srgbClr>
+              </a:solidFill>
+              <a:latin typeface="Arial" panose="020B0604020202020204" pitchFamily="34" charset="0"/>
+              <a:ea typeface="微软雅黑" panose="020B0503020204020204" pitchFamily="34" charset="-122"/>
+            </a:endParaRPr>
+          </a:p>
+          <a:p>
+            <a:pPr marL="285750" lvl="0" indent="-285750" algn="l" fontAlgn="ctr">
+              <a:lnSpc>
+                <a:spcPct val="130000"/>
+              </a:lnSpc>
+              <a:spcBef>
+                <a:spcPts val="1000"/>
+              </a:spcBef>
+              <a:spcAft>
+                <a:spcPts val="0"/>
+              </a:spcAft>
+              <a:buSzPct val="100000"/>
+              <a:buFont typeface="Wingdings" panose="05000000000000000000" charset="0"/>
+              <a:buChar char="l"/>
+            </a:pPr>
+            <a:r>
+              <a:rPr lang="zh-CN" altLang="en-US" sz="1200" dirty="0">
+                <a:solidFill>
+                  <a:srgbClr val="000000">
+                    <a:lumMod val="75000"/>
+                    <a:lumOff val="25000"/>
+                  </a:srgbClr>
+                </a:solidFill>
+                <a:latin typeface="Arial" panose="020B0604020202020204" pitchFamily="34" charset="0"/>
+                <a:ea typeface="微软雅黑" panose="020B0503020204020204" pitchFamily="34" charset="-122"/>
+              </a:rPr>
+              <a:t>Node.js 不是一门语言也不是框架，它只是基于 Google V8 引擎的 JavaScript 运行时环境，同时结合 Libuv 扩展了 JavaScript 功能，使之支持 io、fs 等只有语言才有的特性，使得 JavaScript 能够同时具有 DOM 操作(浏览器)和 I/O、文件读写、操作数据库(服务器端)等能力，是目前最简单的全栈式语言。</a:t>
             </a:r>
             <a:endParaRPr lang="zh-CN" altLang="en-US" sz="1200" dirty="0">
               <a:solidFill>
@@ -36553,6 +37050,217 @@
 </file>
 
 <file path=ppt/slides/slide4.xml><?xml version="1.0" encoding="utf-8"?>
+<p:sld xmlns:a="http://schemas.openxmlformats.org/drawingml/2006/main" xmlns:r="http://schemas.openxmlformats.org/officeDocument/2006/relationships" xmlns:p="http://schemas.openxmlformats.org/presentationml/2006/main">
+  <p:cSld>
+    <p:spTree>
+      <p:nvGrpSpPr>
+        <p:cNvPr id="1" name=""/>
+        <p:cNvGrpSpPr/>
+        <p:nvPr/>
+      </p:nvGrpSpPr>
+      <p:grpSpPr/>
+      <p:sp>
+        <p:nvSpPr>
+          <p:cNvPr id="7" name="矩形 6"/>
+          <p:cNvSpPr/>
+          <p:nvPr>
+            <p:custDataLst>
+              <p:tags r:id="rId1"/>
+            </p:custDataLst>
+          </p:nvPr>
+        </p:nvSpPr>
+        <p:spPr>
+          <a:xfrm>
+            <a:off x="0" y="2680607"/>
+            <a:ext cx="9144000" cy="3320143"/>
+          </a:xfrm>
+          <a:prstGeom prst="rect">
+            <a:avLst/>
+          </a:prstGeom>
+          <a:solidFill>
+            <a:srgbClr val="44546A">
+              <a:lumMod val="75000"/>
+            </a:srgbClr>
+          </a:solidFill>
+          <a:ln>
+            <a:noFill/>
+          </a:ln>
+        </p:spPr>
+        <p:style>
+          <a:lnRef idx="2">
+            <a:srgbClr val="1E6BC5">
+              <a:shade val="50000"/>
+            </a:srgbClr>
+          </a:lnRef>
+          <a:fillRef idx="1">
+            <a:srgbClr val="1E6BC5"/>
+          </a:fillRef>
+          <a:effectRef idx="0">
+            <a:srgbClr val="1E6BC5"/>
+          </a:effectRef>
+          <a:fontRef idx="minor">
+            <a:srgbClr val="FFFFFF"/>
+          </a:fontRef>
+        </p:style>
+        <p:txBody>
+          <a:bodyPr rtlCol="0" anchor="ctr"/>
+          <a:p>
+            <a:pPr algn="ctr"/>
+            <a:endParaRPr lang="zh-CN" altLang="en-US" sz="1350"/>
+          </a:p>
+        </p:txBody>
+      </p:sp>
+      <p:sp>
+        <p:nvSpPr>
+          <p:cNvPr id="8" name="矩形 7"/>
+          <p:cNvSpPr/>
+          <p:nvPr>
+            <p:custDataLst>
+              <p:tags r:id="rId2"/>
+            </p:custDataLst>
+          </p:nvPr>
+        </p:nvSpPr>
+        <p:spPr>
+          <a:xfrm>
+            <a:off x="938213" y="5636418"/>
+            <a:ext cx="7267574" cy="78581"/>
+          </a:xfrm>
+          <a:prstGeom prst="rect">
+            <a:avLst/>
+          </a:prstGeom>
+          <a:pattFill prst="dkUpDiag">
+            <a:fgClr>
+              <a:srgbClr val="44546A">
+                <a:lumMod val="75000"/>
+              </a:srgbClr>
+            </a:fgClr>
+            <a:bgClr>
+              <a:srgbClr val="44546A">
+                <a:lumMod val="50000"/>
+              </a:srgbClr>
+            </a:bgClr>
+          </a:pattFill>
+          <a:ln>
+            <a:noFill/>
+          </a:ln>
+        </p:spPr>
+        <p:style>
+          <a:lnRef idx="2">
+            <a:srgbClr val="1E6BC5">
+              <a:shade val="50000"/>
+            </a:srgbClr>
+          </a:lnRef>
+          <a:fillRef idx="1">
+            <a:srgbClr val="1E6BC5"/>
+          </a:fillRef>
+          <a:effectRef idx="0">
+            <a:srgbClr val="1E6BC5"/>
+          </a:effectRef>
+          <a:fontRef idx="minor">
+            <a:srgbClr val="FFFFFF"/>
+          </a:fontRef>
+        </p:style>
+        <p:txBody>
+          <a:bodyPr rtlCol="0" anchor="ctr"/>
+          <a:p>
+            <a:pPr algn="ctr"/>
+            <a:endParaRPr lang="zh-CN" altLang="en-US" sz="1350"/>
+          </a:p>
+        </p:txBody>
+      </p:sp>
+      <p:pic>
+        <p:nvPicPr>
+          <p:cNvPr id="13" name="图片 12"/>
+          <p:cNvPicPr/>
+          <p:nvPr>
+            <p:custDataLst>
+              <p:tags r:id="rId3"/>
+            </p:custDataLst>
+          </p:nvPr>
+        </p:nvPicPr>
+        <p:blipFill rotWithShape="1">
+          <a:blip r:embed="rId4"/>
+          <a:srcRect t="7830" b="7830"/>
+          <a:stretch>
+            <a:fillRect/>
+          </a:stretch>
+        </p:blipFill>
+        <p:spPr>
+          <a:xfrm>
+            <a:off x="937895" y="2002790"/>
+            <a:ext cx="7266940" cy="3633470"/>
+          </a:xfrm>
+          <a:prstGeom prst="rect">
+            <a:avLst/>
+          </a:prstGeom>
+        </p:spPr>
+      </p:pic>
+      <p:sp>
+        <p:nvSpPr>
+          <p:cNvPr id="9" name="文本框 8"/>
+          <p:cNvSpPr txBox="1"/>
+          <p:nvPr>
+            <p:custDataLst>
+              <p:tags r:id="rId5"/>
+            </p:custDataLst>
+          </p:nvPr>
+        </p:nvSpPr>
+        <p:spPr>
+          <a:xfrm>
+            <a:off x="502924" y="1353026"/>
+            <a:ext cx="7924800" cy="468630"/>
+          </a:xfrm>
+          <a:prstGeom prst="rect">
+            <a:avLst/>
+          </a:prstGeom>
+          <a:noFill/>
+        </p:spPr>
+        <p:txBody>
+          <a:bodyPr wrap="square" lIns="76200" tIns="28575" rIns="47625" bIns="28575" rtlCol="0">
+            <a:noAutofit/>
+          </a:bodyPr>
+          <a:p>
+            <a:pPr algn="ctr"/>
+            <a:r>
+              <a:rPr lang="zh-CN" altLang="en-US" sz="2700" b="1" spc="300" dirty="0">
+                <a:solidFill>
+                  <a:srgbClr val="000000">
+                    <a:lumMod val="75000"/>
+                    <a:lumOff val="25000"/>
+                  </a:srgbClr>
+                </a:solidFill>
+                <a:uFillTx/>
+                <a:latin typeface="Arial" panose="020B0604020202020204" pitchFamily="34" charset="0"/>
+                <a:ea typeface="微软雅黑" panose="020B0503020204020204" pitchFamily="34" charset="-122"/>
+              </a:rPr>
+              <a:t>基本原理</a:t>
+            </a:r>
+            <a:endParaRPr lang="zh-CN" altLang="en-US" sz="2700" b="1" spc="300" dirty="0">
+              <a:solidFill>
+                <a:srgbClr val="000000">
+                  <a:lumMod val="75000"/>
+                  <a:lumOff val="25000"/>
+                </a:srgbClr>
+              </a:solidFill>
+              <a:uFillTx/>
+              <a:latin typeface="Arial" panose="020B0604020202020204" pitchFamily="34" charset="0"/>
+              <a:ea typeface="微软雅黑" panose="020B0503020204020204" pitchFamily="34" charset="-122"/>
+            </a:endParaRPr>
+          </a:p>
+        </p:txBody>
+      </p:sp>
+    </p:spTree>
+    <p:custDataLst>
+      <p:tags r:id="rId6"/>
+    </p:custDataLst>
+  </p:cSld>
+  <p:clrMapOvr>
+    <a:masterClrMapping/>
+  </p:clrMapOvr>
+</p:sld>
+</file>
+
+<file path=ppt/slides/slide5.xml><?xml version="1.0" encoding="utf-8"?>
 <p:sld xmlns:a="http://schemas.openxmlformats.org/drawingml/2006/main" xmlns:r="http://schemas.openxmlformats.org/officeDocument/2006/relationships" xmlns:p="http://schemas.openxmlformats.org/presentationml/2006/main">
   <p:cSld>
     <p:spTree>
@@ -37647,7 +38355,7 @@
 </p:sld>
 </file>
 
-<file path=ppt/slides/slide5.xml><?xml version="1.0" encoding="utf-8"?>
+<file path=ppt/slides/slide6.xml><?xml version="1.0" encoding="utf-8"?>
 <p:sld xmlns:a="http://schemas.openxmlformats.org/drawingml/2006/main" xmlns:r="http://schemas.openxmlformats.org/officeDocument/2006/relationships" xmlns:p="http://schemas.openxmlformats.org/presentationml/2006/main">
   <p:cSld>
     <p:spTree>
@@ -38421,7 +39129,7 @@
 </p:sld>
 </file>
 
-<file path=ppt/slides/slide6.xml><?xml version="1.0" encoding="utf-8"?>
+<file path=ppt/slides/slide7.xml><?xml version="1.0" encoding="utf-8"?>
 <p:sld xmlns:a="http://schemas.openxmlformats.org/drawingml/2006/main" xmlns:r="http://schemas.openxmlformats.org/officeDocument/2006/relationships" xmlns:p="http://schemas.openxmlformats.org/presentationml/2006/main">
   <p:cSld>
     <p:spTree>
@@ -38980,7 +39688,7 @@
 </p:sld>
 </file>
 
-<file path=ppt/slides/slide7.xml><?xml version="1.0" encoding="utf-8"?>
+<file path=ppt/slides/slide8.xml><?xml version="1.0" encoding="utf-8"?>
 <p:sld xmlns:a="http://schemas.openxmlformats.org/drawingml/2006/main" xmlns:r="http://schemas.openxmlformats.org/officeDocument/2006/relationships" xmlns:p="http://schemas.openxmlformats.org/presentationml/2006/main">
   <p:cSld>
     <p:spTree>
@@ -39437,7 +40145,7 @@
 </p:sld>
 </file>
 
-<file path=ppt/slides/slide8.xml><?xml version="1.0" encoding="utf-8"?>
+<file path=ppt/slides/slide9.xml><?xml version="1.0" encoding="utf-8"?>
 <p:sld xmlns:a="http://schemas.openxmlformats.org/drawingml/2006/main" xmlns:r="http://schemas.openxmlformats.org/officeDocument/2006/relationships" xmlns:p="http://schemas.openxmlformats.org/presentationml/2006/main">
   <p:cSld>
     <p:spTree>
@@ -40121,553 +40829,6 @@
     </p:spTree>
     <p:custDataLst>
       <p:tags r:id="rId16"/>
-    </p:custDataLst>
-  </p:cSld>
-  <p:clrMapOvr>
-    <a:masterClrMapping/>
-  </p:clrMapOvr>
-  <p:timing>
-    <p:tnLst>
-      <p:par>
-        <p:cTn id="1" dur="indefinite" restart="never" nodeType="tmRoot"/>
-      </p:par>
-    </p:tnLst>
-  </p:timing>
-</p:sld>
-</file>
-
-<file path=ppt/slides/slide9.xml><?xml version="1.0" encoding="utf-8"?>
-<p:sld xmlns:a="http://schemas.openxmlformats.org/drawingml/2006/main" xmlns:r="http://schemas.openxmlformats.org/officeDocument/2006/relationships" xmlns:p="http://schemas.openxmlformats.org/presentationml/2006/main">
-  <p:cSld>
-    <p:spTree>
-      <p:nvGrpSpPr>
-        <p:cNvPr id="1" name=""/>
-        <p:cNvGrpSpPr/>
-        <p:nvPr/>
-      </p:nvGrpSpPr>
-      <p:grpSpPr>
-        <a:xfrm>
-          <a:off x="0" y="0"/>
-          <a:ext cx="0" cy="0"/>
-          <a:chOff x="0" y="0"/>
-          <a:chExt cx="0" cy="0"/>
-        </a:xfrm>
-      </p:grpSpPr>
-      <p:sp>
-        <p:nvSpPr>
-          <p:cNvPr id="13" name="流程图: 数据 12"/>
-          <p:cNvSpPr/>
-          <p:nvPr>
-            <p:custDataLst>
-              <p:tags r:id="rId1"/>
-            </p:custDataLst>
-          </p:nvPr>
-        </p:nvSpPr>
-        <p:spPr>
-          <a:xfrm flipH="1">
-            <a:off x="0" y="857250"/>
-            <a:ext cx="9144000" cy="5143691"/>
-          </a:xfrm>
-          <a:prstGeom prst="flowChartInputOutput">
-            <a:avLst/>
-          </a:prstGeom>
-          <a:solidFill>
-            <a:srgbClr val="FFFFFF">
-              <a:lumMod val="95000"/>
-            </a:srgbClr>
-          </a:solidFill>
-          <a:ln>
-            <a:noFill/>
-          </a:ln>
-        </p:spPr>
-        <p:style>
-          <a:lnRef idx="2">
-            <a:srgbClr val="1E6BC5">
-              <a:shade val="50000"/>
-            </a:srgbClr>
-          </a:lnRef>
-          <a:fillRef idx="1">
-            <a:srgbClr val="1E6BC5"/>
-          </a:fillRef>
-          <a:effectRef idx="0">
-            <a:srgbClr val="1E6BC5"/>
-          </a:effectRef>
-          <a:fontRef idx="minor">
-            <a:srgbClr val="FFFFFF"/>
-          </a:fontRef>
-        </p:style>
-        <p:txBody>
-          <a:bodyPr rtlCol="0" anchor="ctr"/>
-          <a:p>
-            <a:pPr algn="ctr"/>
-            <a:endParaRPr kumimoji="1" lang="zh-CN" altLang="en-US" sz="1200" b="1" dirty="0">
-              <a:solidFill>
-                <a:srgbClr val="FFFFFF"/>
-              </a:solidFill>
-              <a:latin typeface="微软雅黑" panose="020B0503020204020204" pitchFamily="34" charset="-122"/>
-            </a:endParaRPr>
-          </a:p>
-        </p:txBody>
-      </p:sp>
-      <p:sp>
-        <p:nvSpPr>
-          <p:cNvPr id="14" name="矩形 13"/>
-          <p:cNvSpPr/>
-          <p:nvPr>
-            <p:custDataLst>
-              <p:tags r:id="rId2"/>
-            </p:custDataLst>
-          </p:nvPr>
-        </p:nvSpPr>
-        <p:spPr>
-          <a:xfrm>
-            <a:off x="0" y="1784648"/>
-            <a:ext cx="9144000" cy="3685226"/>
-          </a:xfrm>
-          <a:prstGeom prst="rect">
-            <a:avLst/>
-          </a:prstGeom>
-          <a:pattFill prst="ltHorz">
-            <a:fgClr>
-              <a:srgbClr val="FFFFFF">
-                <a:lumMod val="95000"/>
-              </a:srgbClr>
-            </a:fgClr>
-            <a:bgClr>
-              <a:srgbClr val="FFFFFF"/>
-            </a:bgClr>
-          </a:pattFill>
-          <a:ln>
-            <a:noFill/>
-          </a:ln>
-        </p:spPr>
-        <p:style>
-          <a:lnRef idx="2">
-            <a:srgbClr val="1E6BC5">
-              <a:shade val="50000"/>
-            </a:srgbClr>
-          </a:lnRef>
-          <a:fillRef idx="1">
-            <a:srgbClr val="1E6BC5"/>
-          </a:fillRef>
-          <a:effectRef idx="0">
-            <a:srgbClr val="1E6BC5"/>
-          </a:effectRef>
-          <a:fontRef idx="minor">
-            <a:srgbClr val="FFFFFF"/>
-          </a:fontRef>
-        </p:style>
-        <p:txBody>
-          <a:bodyPr rtlCol="0" anchor="ctr"/>
-          <a:p>
-            <a:pPr algn="ctr"/>
-            <a:endParaRPr kumimoji="1" lang="zh-CN" altLang="en-US" sz="1200" b="1">
-              <a:solidFill>
-                <a:srgbClr val="FFFFFF"/>
-              </a:solidFill>
-              <a:latin typeface="微软雅黑" panose="020B0503020204020204" pitchFamily="34" charset="-122"/>
-            </a:endParaRPr>
-          </a:p>
-        </p:txBody>
-      </p:sp>
-      <p:sp>
-        <p:nvSpPr>
-          <p:cNvPr id="15" name="矩形 14"/>
-          <p:cNvSpPr/>
-          <p:nvPr>
-            <p:custDataLst>
-              <p:tags r:id="rId3"/>
-            </p:custDataLst>
-          </p:nvPr>
-        </p:nvSpPr>
-        <p:spPr>
-          <a:xfrm>
-            <a:off x="5904000" y="1560887"/>
-            <a:ext cx="3240000" cy="13500"/>
-          </a:xfrm>
-          <a:prstGeom prst="rect">
-            <a:avLst/>
-          </a:prstGeom>
-          <a:solidFill>
-            <a:srgbClr val="1E6BC5"/>
-          </a:solidFill>
-          <a:ln>
-            <a:noFill/>
-          </a:ln>
-        </p:spPr>
-        <p:style>
-          <a:lnRef idx="2">
-            <a:srgbClr val="1E6BC5">
-              <a:shade val="50000"/>
-            </a:srgbClr>
-          </a:lnRef>
-          <a:fillRef idx="1">
-            <a:srgbClr val="1E6BC5"/>
-          </a:fillRef>
-          <a:effectRef idx="0">
-            <a:srgbClr val="1E6BC5"/>
-          </a:effectRef>
-          <a:fontRef idx="minor">
-            <a:srgbClr val="FFFFFF"/>
-          </a:fontRef>
-        </p:style>
-        <p:txBody>
-          <a:bodyPr rtlCol="0" anchor="ctr"/>
-          <a:p>
-            <a:pPr algn="ctr"/>
-            <a:endParaRPr kumimoji="1" lang="zh-CN" altLang="en-US" sz="1200" b="1">
-              <a:solidFill>
-                <a:srgbClr val="FFFFFF"/>
-              </a:solidFill>
-              <a:latin typeface="微软雅黑" panose="020B0503020204020204" pitchFamily="34" charset="-122"/>
-            </a:endParaRPr>
-          </a:p>
-        </p:txBody>
-      </p:sp>
-      <p:sp>
-        <p:nvSpPr>
-          <p:cNvPr id="16" name="矩形 15"/>
-          <p:cNvSpPr/>
-          <p:nvPr>
-            <p:custDataLst>
-              <p:tags r:id="rId4"/>
-            </p:custDataLst>
-          </p:nvPr>
-        </p:nvSpPr>
-        <p:spPr>
-          <a:xfrm>
-            <a:off x="-1" y="5657093"/>
-            <a:ext cx="4860000" cy="13500"/>
-          </a:xfrm>
-          <a:prstGeom prst="rect">
-            <a:avLst/>
-          </a:prstGeom>
-          <a:solidFill>
-            <a:srgbClr val="1E6BC5"/>
-          </a:solidFill>
-          <a:ln>
-            <a:noFill/>
-          </a:ln>
-        </p:spPr>
-        <p:style>
-          <a:lnRef idx="2">
-            <a:srgbClr val="1E6BC5">
-              <a:shade val="50000"/>
-            </a:srgbClr>
-          </a:lnRef>
-          <a:fillRef idx="1">
-            <a:srgbClr val="1E6BC5"/>
-          </a:fillRef>
-          <a:effectRef idx="0">
-            <a:srgbClr val="1E6BC5"/>
-          </a:effectRef>
-          <a:fontRef idx="minor">
-            <a:srgbClr val="FFFFFF"/>
-          </a:fontRef>
-        </p:style>
-        <p:txBody>
-          <a:bodyPr rtlCol="0" anchor="ctr"/>
-          <a:p>
-            <a:pPr algn="ctr"/>
-            <a:endParaRPr kumimoji="1" lang="zh-CN" altLang="en-US" sz="1200" b="1">
-              <a:solidFill>
-                <a:srgbClr val="FFFFFF"/>
-              </a:solidFill>
-              <a:latin typeface="微软雅黑" panose="020B0503020204020204" pitchFamily="34" charset="-122"/>
-            </a:endParaRPr>
-          </a:p>
-        </p:txBody>
-      </p:sp>
-      <p:sp>
-        <p:nvSpPr>
-          <p:cNvPr id="17" name="文本框 16"/>
-          <p:cNvSpPr txBox="1"/>
-          <p:nvPr>
-            <p:custDataLst>
-              <p:tags r:id="rId5"/>
-            </p:custDataLst>
-          </p:nvPr>
-        </p:nvSpPr>
-        <p:spPr>
-          <a:xfrm>
-            <a:off x="502412" y="1933913"/>
-            <a:ext cx="8139178" cy="3371513"/>
-          </a:xfrm>
-          <a:prstGeom prst="rect">
-            <a:avLst/>
-          </a:prstGeom>
-          <a:noFill/>
-        </p:spPr>
-        <p:txBody>
-          <a:bodyPr wrap="square" lIns="76200" tIns="0" rIns="61912" bIns="0" rtlCol="0">
-            <a:noAutofit/>
-          </a:bodyPr>
-          <a:lstStyle>
-            <a:defPPr>
-              <a:defRPr lang="zh-CN"/>
-            </a:defPPr>
-            <a:lvl1pPr fontAlgn="auto">
-              <a:lnSpc>
-                <a:spcPct val="130000"/>
-              </a:lnSpc>
-              <a:spcAft>
-                <a:spcPts val="1000"/>
-              </a:spcAft>
-              <a:defRPr sz="1600" spc="150"/>
-            </a:lvl1pPr>
-          </a:lstStyle>
-          <a:p>
-            <a:pPr marL="358775" indent="-358775" fontAlgn="ctr">
-              <a:spcBef>
-                <a:spcPts val="1000"/>
-              </a:spcBef>
-              <a:spcAft>
-                <a:spcPts val="0"/>
-              </a:spcAft>
-              <a:buSzPct val="130000"/>
-              <a:buFont typeface="WPS-Bullets" pitchFamily="2" charset="0"/>
-              <a:buChar char=""/>
-            </a:pPr>
-            <a:endParaRPr lang="zh-CN" altLang="en-US" sz="1200" dirty="0">
-              <a:solidFill>
-                <a:schemeClr val="tx1"/>
-              </a:solidFill>
-              <a:uFillTx/>
-              <a:latin typeface="微软雅黑" panose="020B0503020204020204" pitchFamily="34" charset="-122"/>
-              <a:ea typeface="微软雅黑" panose="020B0503020204020204" pitchFamily="34" charset="-122"/>
-              <a:sym typeface="+mn-ea"/>
-            </a:endParaRPr>
-          </a:p>
-          <a:p>
-            <a:pPr marL="358775" indent="-358775" fontAlgn="ctr">
-              <a:spcBef>
-                <a:spcPts val="1000"/>
-              </a:spcBef>
-              <a:spcAft>
-                <a:spcPts val="0"/>
-              </a:spcAft>
-              <a:buSzPct val="130000"/>
-              <a:buFont typeface="WPS-Bullets" pitchFamily="2" charset="0"/>
-              <a:buChar char=""/>
-            </a:pPr>
-            <a:r>
-              <a:rPr lang="en-US" altLang="zh-CN" sz="2400" b="1" dirty="0">
-                <a:solidFill>
-                  <a:schemeClr val="tx1"/>
-                </a:solidFill>
-                <a:uFillTx/>
-                <a:latin typeface="微软雅黑" panose="020B0503020204020204" pitchFamily="34" charset="-122"/>
-                <a:ea typeface="微软雅黑" panose="020B0503020204020204" pitchFamily="34" charset="-122"/>
-                <a:sym typeface="+mn-ea"/>
-              </a:rPr>
-              <a:t>fs </a:t>
-            </a:r>
-            <a:r>
-              <a:rPr lang="zh-CN" altLang="en-US" sz="2400" b="1" dirty="0">
-                <a:solidFill>
-                  <a:schemeClr val="tx1"/>
-                </a:solidFill>
-                <a:uFillTx/>
-                <a:latin typeface="微软雅黑" panose="020B0503020204020204" pitchFamily="34" charset="-122"/>
-                <a:ea typeface="微软雅黑" panose="020B0503020204020204" pitchFamily="34" charset="-122"/>
-                <a:sym typeface="+mn-ea"/>
-              </a:rPr>
-              <a:t>文件操作</a:t>
-            </a:r>
-            <a:endParaRPr lang="zh-CN" altLang="en-US" sz="2400" b="1" dirty="0">
-              <a:solidFill>
-                <a:schemeClr val="tx1"/>
-              </a:solidFill>
-              <a:uFillTx/>
-              <a:latin typeface="微软雅黑" panose="020B0503020204020204" pitchFamily="34" charset="-122"/>
-              <a:ea typeface="微软雅黑" panose="020B0503020204020204" pitchFamily="34" charset="-122"/>
-              <a:sym typeface="+mn-ea"/>
-            </a:endParaRPr>
-          </a:p>
-          <a:p>
-            <a:pPr marL="358775" indent="-358775" fontAlgn="ctr">
-              <a:spcBef>
-                <a:spcPts val="1000"/>
-              </a:spcBef>
-              <a:spcAft>
-                <a:spcPts val="0"/>
-              </a:spcAft>
-              <a:buSzPct val="130000"/>
-              <a:buFont typeface="WPS-Bullets" pitchFamily="2" charset="0"/>
-              <a:buChar char=""/>
-            </a:pPr>
-            <a:r>
-              <a:rPr lang="en-US" altLang="zh-CN" sz="2400" b="1" dirty="0">
-                <a:solidFill>
-                  <a:schemeClr val="tx1"/>
-                </a:solidFill>
-                <a:uFillTx/>
-                <a:latin typeface="微软雅黑" panose="020B0503020204020204" pitchFamily="34" charset="-122"/>
-                <a:ea typeface="微软雅黑" panose="020B0503020204020204" pitchFamily="34" charset="-122"/>
-                <a:sym typeface="+mn-ea"/>
-              </a:rPr>
-              <a:t>stream  </a:t>
-            </a:r>
-            <a:r>
-              <a:rPr lang="zh-CN" altLang="en-US" sz="2400" b="1" dirty="0">
-                <a:solidFill>
-                  <a:schemeClr val="tx1"/>
-                </a:solidFill>
-                <a:uFillTx/>
-                <a:latin typeface="微软雅黑" panose="020B0503020204020204" pitchFamily="34" charset="-122"/>
-                <a:ea typeface="微软雅黑" panose="020B0503020204020204" pitchFamily="34" charset="-122"/>
-                <a:sym typeface="+mn-ea"/>
-              </a:rPr>
-              <a:t>流操作</a:t>
-            </a:r>
-            <a:endParaRPr lang="en-US" altLang="zh-CN" sz="2400" b="1" dirty="0">
-              <a:solidFill>
-                <a:schemeClr val="tx1"/>
-              </a:solidFill>
-              <a:uFillTx/>
-              <a:latin typeface="微软雅黑" panose="020B0503020204020204" pitchFamily="34" charset="-122"/>
-              <a:ea typeface="微软雅黑" panose="020B0503020204020204" pitchFamily="34" charset="-122"/>
-              <a:sym typeface="+mn-ea"/>
-            </a:endParaRPr>
-          </a:p>
-          <a:p>
-            <a:pPr marL="358775" indent="-358775" fontAlgn="ctr">
-              <a:spcBef>
-                <a:spcPts val="1000"/>
-              </a:spcBef>
-              <a:spcAft>
-                <a:spcPts val="0"/>
-              </a:spcAft>
-              <a:buSzPct val="130000"/>
-              <a:buFont typeface="WPS-Bullets" pitchFamily="2" charset="0"/>
-              <a:buChar char=""/>
-            </a:pPr>
-            <a:r>
-              <a:rPr lang="en-US" altLang="zh-CN" sz="2400" b="1" dirty="0">
-                <a:solidFill>
-                  <a:schemeClr val="tx1"/>
-                </a:solidFill>
-                <a:uFillTx/>
-                <a:latin typeface="微软雅黑" panose="020B0503020204020204" pitchFamily="34" charset="-122"/>
-                <a:ea typeface="微软雅黑" panose="020B0503020204020204" pitchFamily="34" charset="-122"/>
-                <a:sym typeface="+mn-ea"/>
-              </a:rPr>
-              <a:t>http  </a:t>
-            </a:r>
-            <a:endParaRPr lang="zh-CN" altLang="en-US" sz="1200" b="1" dirty="0">
-              <a:solidFill>
-                <a:schemeClr val="tx1"/>
-              </a:solidFill>
-              <a:uFillTx/>
-              <a:latin typeface="微软雅黑" panose="020B0503020204020204" pitchFamily="34" charset="-122"/>
-              <a:ea typeface="微软雅黑" panose="020B0503020204020204" pitchFamily="34" charset="-122"/>
-              <a:sym typeface="+mn-ea"/>
-            </a:endParaRPr>
-          </a:p>
-          <a:p>
-            <a:pPr marL="0" indent="0" fontAlgn="ctr">
-              <a:spcBef>
-                <a:spcPts val="1000"/>
-              </a:spcBef>
-              <a:spcAft>
-                <a:spcPts val="0"/>
-              </a:spcAft>
-              <a:buSzPct val="130000"/>
-              <a:buFont typeface="WPS-Bullets" pitchFamily="2" charset="0"/>
-              <a:buNone/>
-            </a:pPr>
-            <a:endParaRPr lang="zh-CN" altLang="en-US" sz="1200" b="1" dirty="0">
-              <a:solidFill>
-                <a:schemeClr val="tx1"/>
-              </a:solidFill>
-              <a:uFillTx/>
-              <a:latin typeface="微软雅黑" panose="020B0503020204020204" pitchFamily="34" charset="-122"/>
-              <a:ea typeface="微软雅黑" panose="020B0503020204020204" pitchFamily="34" charset="-122"/>
-              <a:sym typeface="+mn-ea"/>
-            </a:endParaRPr>
-          </a:p>
-        </p:txBody>
-      </p:sp>
-      <p:sp>
-        <p:nvSpPr>
-          <p:cNvPr id="18" name="文本框 17"/>
-          <p:cNvSpPr txBox="1"/>
-          <p:nvPr>
-            <p:custDataLst>
-              <p:tags r:id="rId6"/>
-            </p:custDataLst>
-          </p:nvPr>
-        </p:nvSpPr>
-        <p:spPr>
-          <a:xfrm>
-            <a:off x="502412" y="1272540"/>
-            <a:ext cx="5324475" cy="468630"/>
-          </a:xfrm>
-          <a:prstGeom prst="rect">
-            <a:avLst/>
-          </a:prstGeom>
-          <a:noFill/>
-        </p:spPr>
-        <p:txBody>
-          <a:bodyPr wrap="square" lIns="76200" tIns="28575" rIns="47625" bIns="28575" rtlCol="0">
-            <a:noAutofit/>
-          </a:bodyPr>
-          <a:lstStyle/>
-          <a:p>
-            <a:pPr marL="0" indent="0" algn="l">
-              <a:lnSpc>
-                <a:spcPct val="100000"/>
-              </a:lnSpc>
-              <a:spcBef>
-                <a:spcPts val="0"/>
-              </a:spcBef>
-              <a:spcAft>
-                <a:spcPts val="0"/>
-              </a:spcAft>
-              <a:buSzPct val="100000"/>
-            </a:pPr>
-            <a:r>
-              <a:rPr lang="zh-CN" altLang="en-US" sz="2700" b="1" spc="300" dirty="0">
-                <a:solidFill>
-                  <a:srgbClr val="000000">
-                    <a:lumMod val="75000"/>
-                    <a:lumOff val="25000"/>
-                  </a:srgbClr>
-                </a:solidFill>
-                <a:latin typeface="Arial" panose="020B0604020202020204" pitchFamily="34" charset="0"/>
-                <a:ea typeface="微软雅黑" panose="020B0503020204020204" pitchFamily="34" charset="-122"/>
-              </a:rPr>
-              <a:t>模块-</a:t>
-            </a:r>
-            <a:r>
-              <a:rPr lang="zh-CN" altLang="en-US" sz="2700" b="1" spc="300" dirty="0">
-                <a:solidFill>
-                  <a:srgbClr val="000000">
-                    <a:lumMod val="75000"/>
-                    <a:lumOff val="25000"/>
-                  </a:srgbClr>
-                </a:solidFill>
-                <a:ea typeface="微软雅黑" panose="020B0503020204020204" pitchFamily="34" charset="-122"/>
-                <a:sym typeface="+mn-ea"/>
-              </a:rPr>
-              <a:t>基本模块</a:t>
-            </a:r>
-            <a:endParaRPr lang="zh-CN" altLang="en-US" sz="2700" b="1" spc="300" dirty="0">
-              <a:solidFill>
-                <a:srgbClr val="000000">
-                  <a:lumMod val="75000"/>
-                  <a:lumOff val="25000"/>
-                </a:srgbClr>
-              </a:solidFill>
-              <a:ea typeface="微软雅黑" panose="020B0503020204020204" pitchFamily="34" charset="-122"/>
-              <a:sym typeface="+mn-ea"/>
-            </a:endParaRPr>
-          </a:p>
-        </p:txBody>
-      </p:sp>
-    </p:spTree>
-    <p:custDataLst>
-      <p:tags r:id="rId7"/>
     </p:custDataLst>
   </p:cSld>
   <p:clrMapOvr>
@@ -44288,13 +44449,16 @@
   <p:tag name="KSO_WM_UNIT_DIAGRAM_ISNUMVISUAL" val="0"/>
   <p:tag name="KSO_WM_UNIT_DIAGRAM_ISREFERUNIT" val="0"/>
   <p:tag name="KSO_WM_UNIT_TYPE" val="i"/>
-  <p:tag name="KSO_WM_UNIT_INDEX" val="13"/>
-  <p:tag name="KSO_WM_UNIT_ID" val="diagram20198660_1*i*13"/>
+  <p:tag name="KSO_WM_UNIT_INDEX" val="1"/>
+  <p:tag name="KSO_WM_UNIT_ID" val="diagram20191283_1*i*1"/>
   <p:tag name="KSO_WM_TEMPLATE_CATEGORY" val="diagram"/>
-  <p:tag name="KSO_WM_TEMPLATE_INDEX" val="20198660"/>
+  <p:tag name="KSO_WM_TEMPLATE_INDEX" val="20191283"/>
   <p:tag name="KSO_WM_UNIT_LAYERLEVEL" val="1"/>
   <p:tag name="KSO_WM_TAG_VERSION" val="1.0"/>
   <p:tag name="KSO_WM_BEAUTIFY_FLAG" val="#wm#"/>
+  <p:tag name="KSO_WM_UNIT_ADJUSTLAYOUT_ID" val="2"/>
+  <p:tag name="KSO_WM_UNIT_COLOR_SCHEME_SHAPE_ID" val="2"/>
+  <p:tag name="KSO_WM_UNIT_COLOR_SCHEME_PARENT_PAGE" val="0_1"/>
 </p:tagLst>
 </file>
 
@@ -44306,63 +44470,82 @@
   <p:tag name="KSO_WM_UNIT_DIAGRAM_ISREFERUNIT" val="0"/>
   <p:tag name="KSO_WM_UNIT_TYPE" val="i"/>
   <p:tag name="KSO_WM_UNIT_INDEX" val="2"/>
-  <p:tag name="KSO_WM_UNIT_ID" val="diagram20198660_1*i*2"/>
+  <p:tag name="KSO_WM_UNIT_ID" val="diagram20191283_1*i*2"/>
   <p:tag name="KSO_WM_TEMPLATE_CATEGORY" val="diagram"/>
-  <p:tag name="KSO_WM_TEMPLATE_INDEX" val="20198660"/>
+  <p:tag name="KSO_WM_TEMPLATE_INDEX" val="20191283"/>
   <p:tag name="KSO_WM_UNIT_LAYERLEVEL" val="1"/>
   <p:tag name="KSO_WM_TAG_VERSION" val="1.0"/>
   <p:tag name="KSO_WM_BEAUTIFY_FLAG" val="#wm#"/>
+  <p:tag name="KSO_WM_UNIT_ADJUSTLAYOUT_ID" val="4"/>
+  <p:tag name="KSO_WM_UNIT_COLOR_SCHEME_SHAPE_ID" val="4"/>
+  <p:tag name="KSO_WM_UNIT_COLOR_SCHEME_PARENT_PAGE" val="0_1"/>
 </p:tagLst>
 </file>
 
 <file path=ppt/tags/tag346.xml><?xml version="1.0" encoding="utf-8"?>
 <p:tagLst xmlns:p="http://schemas.openxmlformats.org/presentationml/2006/main">
+  <p:tag name="KSO_WM_UNIT_VALUE" val="1345*2690"/>
   <p:tag name="KSO_WM_UNIT_HIGHLIGHT" val="0"/>
   <p:tag name="KSO_WM_UNIT_COMPATIBLE" val="0"/>
   <p:tag name="KSO_WM_UNIT_DIAGRAM_ISNUMVISUAL" val="0"/>
   <p:tag name="KSO_WM_UNIT_DIAGRAM_ISREFERUNIT" val="0"/>
-  <p:tag name="KSO_WM_UNIT_TYPE" val="i"/>
+  <p:tag name="KSO_WM_UNIT_TYPE" val="d"/>
   <p:tag name="KSO_WM_UNIT_INDEX" val="1"/>
-  <p:tag name="KSO_WM_UNIT_ID" val="diagram20198660_1*i*1"/>
+  <p:tag name="KSO_WM_UNIT_ID" val="diagram20191283_1*d*1"/>
   <p:tag name="KSO_WM_TEMPLATE_CATEGORY" val="diagram"/>
-  <p:tag name="KSO_WM_TEMPLATE_INDEX" val="20198660"/>
+  <p:tag name="KSO_WM_TEMPLATE_INDEX" val="20191283"/>
   <p:tag name="KSO_WM_UNIT_LAYERLEVEL" val="1"/>
   <p:tag name="KSO_WM_TAG_VERSION" val="1.0"/>
   <p:tag name="KSO_WM_BEAUTIFY_FLAG" val="#wm#"/>
+  <p:tag name="KSO_WM_UNIT_ADJUSTLAYOUT_ID" val="13"/>
+  <p:tag name="KSO_WM_UNIT_PICTURE_CLIP_FLAG" val="1"/>
+  <p:tag name="KSO_WM_UNIT_COLOR_SCHEME_SHAPE_ID" val="13"/>
+  <p:tag name="KSO_WM_UNIT_COLOR_SCHEME_PARENT_PAGE" val="0_1"/>
 </p:tagLst>
 </file>
 
 <file path=ppt/tags/tag347.xml><?xml version="1.0" encoding="utf-8"?>
 <p:tagLst xmlns:p="http://schemas.openxmlformats.org/presentationml/2006/main">
+  <p:tag name="KSO_WM_UNIT_ISCONTENTSTITLE" val="0"/>
+  <p:tag name="KSO_WM_UNIT_PRESET_TEXT" val="单击添加大标题"/>
+  <p:tag name="KSO_WM_UNIT_TEXT_PART_ID" val="3-X"/>
+  <p:tag name="KSO_WM_UNIT_TEXT_PART_SIZE" val="49.2*832"/>
+  <p:tag name="KSO_WM_UNIT_VALUE" val="26"/>
   <p:tag name="KSO_WM_UNIT_HIGHLIGHT" val="0"/>
   <p:tag name="KSO_WM_UNIT_COMPATIBLE" val="0"/>
   <p:tag name="KSO_WM_UNIT_DIAGRAM_ISNUMVISUAL" val="0"/>
   <p:tag name="KSO_WM_UNIT_DIAGRAM_ISREFERUNIT" val="0"/>
-  <p:tag name="KSO_WM_UNIT_TYPE" val="i"/>
-  <p:tag name="KSO_WM_UNIT_INDEX" val="6"/>
-  <p:tag name="KSO_WM_UNIT_ID" val="diagram20198660_1*i*6"/>
+  <p:tag name="KSO_WM_UNIT_TYPE" val="a"/>
+  <p:tag name="KSO_WM_UNIT_INDEX" val="1"/>
+  <p:tag name="KSO_WM_UNIT_ID" val="diagram20191283_1*a*1"/>
   <p:tag name="KSO_WM_TEMPLATE_CATEGORY" val="diagram"/>
-  <p:tag name="KSO_WM_TEMPLATE_INDEX" val="20198660"/>
+  <p:tag name="KSO_WM_TEMPLATE_INDEX" val="20191283"/>
   <p:tag name="KSO_WM_UNIT_LAYERLEVEL" val="1"/>
   <p:tag name="KSO_WM_TAG_VERSION" val="1.0"/>
   <p:tag name="KSO_WM_BEAUTIFY_FLAG" val="#wm#"/>
+  <p:tag name="KSO_WM_UNIT_COLOR_SCHEME_SHAPE_ID" val="6"/>
+  <p:tag name="KSO_WM_UNIT_COLOR_SCHEME_PARENT_PAGE" val="0_1"/>
 </p:tagLst>
 </file>
 
 <file path=ppt/tags/tag348.xml><?xml version="1.0" encoding="utf-8"?>
 <p:tagLst xmlns:p="http://schemas.openxmlformats.org/presentationml/2006/main">
-  <p:tag name="KSO_WM_UNIT_HIGHLIGHT" val="0"/>
-  <p:tag name="KSO_WM_UNIT_COMPATIBLE" val="0"/>
-  <p:tag name="KSO_WM_UNIT_DIAGRAM_ISNUMVISUAL" val="0"/>
-  <p:tag name="KSO_WM_UNIT_DIAGRAM_ISREFERUNIT" val="0"/>
-  <p:tag name="KSO_WM_UNIT_TYPE" val="i"/>
-  <p:tag name="KSO_WM_UNIT_INDEX" val="7"/>
-  <p:tag name="KSO_WM_UNIT_ID" val="diagram20198660_1*i*7"/>
+  <p:tag name="KSO_WM_BEAUTIFY_FLAG" val="#wm#"/>
   <p:tag name="KSO_WM_TEMPLATE_CATEGORY" val="diagram"/>
-  <p:tag name="KSO_WM_TEMPLATE_INDEX" val="20198660"/>
-  <p:tag name="KSO_WM_UNIT_LAYERLEVEL" val="1"/>
+  <p:tag name="KSO_WM_TEMPLATE_INDEX" val="20191283"/>
+  <p:tag name="KSO_WM_SLIDE_MODEL_TYPE" val="cover"/>
+  <p:tag name="KSO_WM_SLIDE_ID" val="diagram20191283_1"/>
+  <p:tag name="KSO_WM_SLIDE_ITEM_CNT" val="0"/>
+  <p:tag name="KSO_WM_SLIDE_INDEX" val="1"/>
   <p:tag name="KSO_WM_TAG_VERSION" val="1.0"/>
-  <p:tag name="KSO_WM_BEAUTIFY_FLAG" val="#wm#"/>
+  <p:tag name="KSO_WM_SLIDE_TYPE" val="text"/>
+  <p:tag name="KSO_WM_SLIDE_SUBTYPE" val="picTxt"/>
+  <p:tag name="KSO_WM_SLIDE_SIZE" val="960*487"/>
+  <p:tag name="KSO_WM_SLIDE_POSITION" val="0*52"/>
+  <p:tag name="KSO_WM_SLIDE_LAYOUT" val="a_d"/>
+  <p:tag name="KSO_WM_SLIDE_LAYOUT_CNT" val="1_1"/>
+  <p:tag name="KSO_WM_SLIDE_CONSTRAINT" val="%7b%22slideConstraint%22%3a%7b%22seriesAreas%22%3a%5b%5d%2c%22singleAreas%22%3a%5b%7b%22shapes%22%3a%5b13%5d%2c%22serialConstraintIndex%22%3a-1%2c%22areatextmark%22%3a0%2c%22pictureprocessmark%22%3a0%7d%5d%7d%7d"/>
+  <p:tag name="KSO_WM_SLIDE_COLORSCHEME_VERSION" val="3.2"/>
 </p:tagLst>
 </file>
 
@@ -44373,8 +44556,8 @@
   <p:tag name="KSO_WM_UNIT_DIAGRAM_ISNUMVISUAL" val="0"/>
   <p:tag name="KSO_WM_UNIT_DIAGRAM_ISREFERUNIT" val="0"/>
   <p:tag name="KSO_WM_UNIT_TYPE" val="i"/>
-  <p:tag name="KSO_WM_UNIT_INDEX" val="8"/>
-  <p:tag name="KSO_WM_UNIT_ID" val="diagram20198660_1*i*8"/>
+  <p:tag name="KSO_WM_UNIT_INDEX" val="13"/>
+  <p:tag name="KSO_WM_UNIT_ID" val="diagram20198660_1*i*13"/>
   <p:tag name="KSO_WM_TEMPLATE_CATEGORY" val="diagram"/>
   <p:tag name="KSO_WM_TEMPLATE_INDEX" val="20198660"/>
   <p:tag name="KSO_WM_UNIT_LAYERLEVEL" val="1"/>
@@ -44403,6 +44586,91 @@
   <p:tag name="KSO_WM_UNIT_DIAGRAM_ISNUMVISUAL" val="0"/>
   <p:tag name="KSO_WM_UNIT_DIAGRAM_ISREFERUNIT" val="0"/>
   <p:tag name="KSO_WM_UNIT_TYPE" val="i"/>
+  <p:tag name="KSO_WM_UNIT_INDEX" val="2"/>
+  <p:tag name="KSO_WM_UNIT_ID" val="diagram20198660_1*i*2"/>
+  <p:tag name="KSO_WM_TEMPLATE_CATEGORY" val="diagram"/>
+  <p:tag name="KSO_WM_TEMPLATE_INDEX" val="20198660"/>
+  <p:tag name="KSO_WM_UNIT_LAYERLEVEL" val="1"/>
+  <p:tag name="KSO_WM_TAG_VERSION" val="1.0"/>
+  <p:tag name="KSO_WM_BEAUTIFY_FLAG" val="#wm#"/>
+</p:tagLst>
+</file>
+
+<file path=ppt/tags/tag351.xml><?xml version="1.0" encoding="utf-8"?>
+<p:tagLst xmlns:p="http://schemas.openxmlformats.org/presentationml/2006/main">
+  <p:tag name="KSO_WM_UNIT_HIGHLIGHT" val="0"/>
+  <p:tag name="KSO_WM_UNIT_COMPATIBLE" val="0"/>
+  <p:tag name="KSO_WM_UNIT_DIAGRAM_ISNUMVISUAL" val="0"/>
+  <p:tag name="KSO_WM_UNIT_DIAGRAM_ISREFERUNIT" val="0"/>
+  <p:tag name="KSO_WM_UNIT_TYPE" val="i"/>
+  <p:tag name="KSO_WM_UNIT_INDEX" val="1"/>
+  <p:tag name="KSO_WM_UNIT_ID" val="diagram20198660_1*i*1"/>
+  <p:tag name="KSO_WM_TEMPLATE_CATEGORY" val="diagram"/>
+  <p:tag name="KSO_WM_TEMPLATE_INDEX" val="20198660"/>
+  <p:tag name="KSO_WM_UNIT_LAYERLEVEL" val="1"/>
+  <p:tag name="KSO_WM_TAG_VERSION" val="1.0"/>
+  <p:tag name="KSO_WM_BEAUTIFY_FLAG" val="#wm#"/>
+</p:tagLst>
+</file>
+
+<file path=ppt/tags/tag352.xml><?xml version="1.0" encoding="utf-8"?>
+<p:tagLst xmlns:p="http://schemas.openxmlformats.org/presentationml/2006/main">
+  <p:tag name="KSO_WM_UNIT_HIGHLIGHT" val="0"/>
+  <p:tag name="KSO_WM_UNIT_COMPATIBLE" val="0"/>
+  <p:tag name="KSO_WM_UNIT_DIAGRAM_ISNUMVISUAL" val="0"/>
+  <p:tag name="KSO_WM_UNIT_DIAGRAM_ISREFERUNIT" val="0"/>
+  <p:tag name="KSO_WM_UNIT_TYPE" val="i"/>
+  <p:tag name="KSO_WM_UNIT_INDEX" val="6"/>
+  <p:tag name="KSO_WM_UNIT_ID" val="diagram20198660_1*i*6"/>
+  <p:tag name="KSO_WM_TEMPLATE_CATEGORY" val="diagram"/>
+  <p:tag name="KSO_WM_TEMPLATE_INDEX" val="20198660"/>
+  <p:tag name="KSO_WM_UNIT_LAYERLEVEL" val="1"/>
+  <p:tag name="KSO_WM_TAG_VERSION" val="1.0"/>
+  <p:tag name="KSO_WM_BEAUTIFY_FLAG" val="#wm#"/>
+</p:tagLst>
+</file>
+
+<file path=ppt/tags/tag353.xml><?xml version="1.0" encoding="utf-8"?>
+<p:tagLst xmlns:p="http://schemas.openxmlformats.org/presentationml/2006/main">
+  <p:tag name="KSO_WM_UNIT_HIGHLIGHT" val="0"/>
+  <p:tag name="KSO_WM_UNIT_COMPATIBLE" val="0"/>
+  <p:tag name="KSO_WM_UNIT_DIAGRAM_ISNUMVISUAL" val="0"/>
+  <p:tag name="KSO_WM_UNIT_DIAGRAM_ISREFERUNIT" val="0"/>
+  <p:tag name="KSO_WM_UNIT_TYPE" val="i"/>
+  <p:tag name="KSO_WM_UNIT_INDEX" val="7"/>
+  <p:tag name="KSO_WM_UNIT_ID" val="diagram20198660_1*i*7"/>
+  <p:tag name="KSO_WM_TEMPLATE_CATEGORY" val="diagram"/>
+  <p:tag name="KSO_WM_TEMPLATE_INDEX" val="20198660"/>
+  <p:tag name="KSO_WM_UNIT_LAYERLEVEL" val="1"/>
+  <p:tag name="KSO_WM_TAG_VERSION" val="1.0"/>
+  <p:tag name="KSO_WM_BEAUTIFY_FLAG" val="#wm#"/>
+</p:tagLst>
+</file>
+
+<file path=ppt/tags/tag354.xml><?xml version="1.0" encoding="utf-8"?>
+<p:tagLst xmlns:p="http://schemas.openxmlformats.org/presentationml/2006/main">
+  <p:tag name="KSO_WM_UNIT_HIGHLIGHT" val="0"/>
+  <p:tag name="KSO_WM_UNIT_COMPATIBLE" val="0"/>
+  <p:tag name="KSO_WM_UNIT_DIAGRAM_ISNUMVISUAL" val="0"/>
+  <p:tag name="KSO_WM_UNIT_DIAGRAM_ISREFERUNIT" val="0"/>
+  <p:tag name="KSO_WM_UNIT_TYPE" val="i"/>
+  <p:tag name="KSO_WM_UNIT_INDEX" val="8"/>
+  <p:tag name="KSO_WM_UNIT_ID" val="diagram20198660_1*i*8"/>
+  <p:tag name="KSO_WM_TEMPLATE_CATEGORY" val="diagram"/>
+  <p:tag name="KSO_WM_TEMPLATE_INDEX" val="20198660"/>
+  <p:tag name="KSO_WM_UNIT_LAYERLEVEL" val="1"/>
+  <p:tag name="KSO_WM_TAG_VERSION" val="1.0"/>
+  <p:tag name="KSO_WM_BEAUTIFY_FLAG" val="#wm#"/>
+</p:tagLst>
+</file>
+
+<file path=ppt/tags/tag355.xml><?xml version="1.0" encoding="utf-8"?>
+<p:tagLst xmlns:p="http://schemas.openxmlformats.org/presentationml/2006/main">
+  <p:tag name="KSO_WM_UNIT_HIGHLIGHT" val="0"/>
+  <p:tag name="KSO_WM_UNIT_COMPATIBLE" val="0"/>
+  <p:tag name="KSO_WM_UNIT_DIAGRAM_ISNUMVISUAL" val="0"/>
+  <p:tag name="KSO_WM_UNIT_DIAGRAM_ISREFERUNIT" val="0"/>
+  <p:tag name="KSO_WM_UNIT_TYPE" val="i"/>
   <p:tag name="KSO_WM_UNIT_INDEX" val="9"/>
   <p:tag name="KSO_WM_UNIT_ID" val="diagram20198660_1*i*9"/>
   <p:tag name="KSO_WM_TEMPLATE_CATEGORY" val="diagram"/>
@@ -44413,7 +44681,7 @@
 </p:tagLst>
 </file>
 
-<file path=ppt/tags/tag351.xml><?xml version="1.0" encoding="utf-8"?>
+<file path=ppt/tags/tag356.xml><?xml version="1.0" encoding="utf-8"?>
 <p:tagLst xmlns:p="http://schemas.openxmlformats.org/presentationml/2006/main">
   <p:tag name="KSO_WM_UNIT_HIGHLIGHT" val="0"/>
   <p:tag name="KSO_WM_UNIT_COMPATIBLE" val="0"/>
@@ -44430,7 +44698,7 @@
 </p:tagLst>
 </file>
 
-<file path=ppt/tags/tag352.xml><?xml version="1.0" encoding="utf-8"?>
+<file path=ppt/tags/tag357.xml><?xml version="1.0" encoding="utf-8"?>
 <p:tagLst xmlns:p="http://schemas.openxmlformats.org/presentationml/2006/main">
   <p:tag name="KSO_WM_UNIT_HIGHLIGHT" val="0"/>
   <p:tag name="KSO_WM_UNIT_COMPATIBLE" val="0"/>
@@ -44447,7 +44715,7 @@
 </p:tagLst>
 </file>
 
-<file path=ppt/tags/tag353.xml><?xml version="1.0" encoding="utf-8"?>
+<file path=ppt/tags/tag358.xml><?xml version="1.0" encoding="utf-8"?>
 <p:tagLst xmlns:p="http://schemas.openxmlformats.org/presentationml/2006/main">
   <p:tag name="KSO_WM_UNIT_HIGHLIGHT" val="0"/>
   <p:tag name="KSO_WM_UNIT_COMPATIBLE" val="0"/>
@@ -44464,7 +44732,7 @@
 </p:tagLst>
 </file>
 
-<file path=ppt/tags/tag354.xml><?xml version="1.0" encoding="utf-8"?>
+<file path=ppt/tags/tag359.xml><?xml version="1.0" encoding="utf-8"?>
 <p:tagLst xmlns:p="http://schemas.openxmlformats.org/presentationml/2006/main">
   <p:tag name="KSO_WM_UNIT_HIGHLIGHT" val="0"/>
   <p:tag name="KSO_WM_UNIT_COMPATIBLE" val="0"/>
@@ -44481,7 +44749,20 @@
 </p:tagLst>
 </file>
 
-<file path=ppt/tags/tag355.xml><?xml version="1.0" encoding="utf-8"?>
+<file path=ppt/tags/tag36.xml><?xml version="1.0" encoding="utf-8"?>
+<p:tagLst xmlns:p="http://schemas.openxmlformats.org/presentationml/2006/main">
+  <p:tag name="KSO_WM_UNIT_HIGHLIGHT" val="0"/>
+  <p:tag name="KSO_WM_UNIT_COMPATIBLE" val="0"/>
+  <p:tag name="KSO_WM_UNIT_DIAGRAM_ISNUMVISUAL" val="0"/>
+  <p:tag name="KSO_WM_UNIT_DIAGRAM_ISREFERUNIT" val="0"/>
+  <p:tag name="KSO_WM_UNIT_ID" val="_1**"/>
+  <p:tag name="KSO_WM_UNIT_LAYERLEVEL" val="1"/>
+  <p:tag name="KSO_WM_TAG_VERSION" val="1.0"/>
+  <p:tag name="KSO_WM_BEAUTIFY_FLAG" val="#wm#"/>
+</p:tagLst>
+</file>
+
+<file path=ppt/tags/tag360.xml><?xml version="1.0" encoding="utf-8"?>
 <p:tagLst xmlns:p="http://schemas.openxmlformats.org/presentationml/2006/main">
   <p:tag name="KSO_WM_UNIT_HIGHLIGHT" val="0"/>
   <p:tag name="KSO_WM_UNIT_COMPATIBLE" val="0"/>
@@ -44498,7 +44779,7 @@
 </p:tagLst>
 </file>
 
-<file path=ppt/tags/tag356.xml><?xml version="1.0" encoding="utf-8"?>
+<file path=ppt/tags/tag361.xml><?xml version="1.0" encoding="utf-8"?>
 <p:tagLst xmlns:p="http://schemas.openxmlformats.org/presentationml/2006/main">
   <p:tag name="KSO_WM_UNIT_TEXT_PART_ID_V2" val="b-3-1"/>
   <p:tag name="KSO_WM_UNIT_ISCONTENTSTITLE" val="0"/>
@@ -44520,7 +44801,7 @@
 </p:tagLst>
 </file>
 
-<file path=ppt/tags/tag357.xml><?xml version="1.0" encoding="utf-8"?>
+<file path=ppt/tags/tag362.xml><?xml version="1.0" encoding="utf-8"?>
 <p:tagLst xmlns:p="http://schemas.openxmlformats.org/presentationml/2006/main">
   <p:tag name="KSO_WM_UNIT_HIGHLIGHT" val="0"/>
   <p:tag name="KSO_WM_UNIT_COMPATIBLE" val="0"/>
@@ -44537,7 +44818,7 @@
 </p:tagLst>
 </file>
 
-<file path=ppt/tags/tag358.xml><?xml version="1.0" encoding="utf-8"?>
+<file path=ppt/tags/tag363.xml><?xml version="1.0" encoding="utf-8"?>
 <p:tagLst xmlns:p="http://schemas.openxmlformats.org/presentationml/2006/main">
   <p:tag name="KSO_WM_UNIT_NOCLEAR" val="0"/>
   <p:tag name="KSO_WM_UNIT_VALUE" val="552"/>
@@ -44557,7 +44838,7 @@
 </p:tagLst>
 </file>
 
-<file path=ppt/tags/tag359.xml><?xml version="1.0" encoding="utf-8"?>
+<file path=ppt/tags/tag364.xml><?xml version="1.0" encoding="utf-8"?>
 <p:tagLst xmlns:p="http://schemas.openxmlformats.org/presentationml/2006/main">
   <p:tag name="KSO_WM_SLIDE_ID" val="diagram20198660_1"/>
   <p:tag name="KSO_WM_TEMPLATE_SUBCATEGORY" val="8"/>
@@ -44576,20 +44857,7 @@
 </p:tagLst>
 </file>
 
-<file path=ppt/tags/tag36.xml><?xml version="1.0" encoding="utf-8"?>
-<p:tagLst xmlns:p="http://schemas.openxmlformats.org/presentationml/2006/main">
-  <p:tag name="KSO_WM_UNIT_HIGHLIGHT" val="0"/>
-  <p:tag name="KSO_WM_UNIT_COMPATIBLE" val="0"/>
-  <p:tag name="KSO_WM_UNIT_DIAGRAM_ISNUMVISUAL" val="0"/>
-  <p:tag name="KSO_WM_UNIT_DIAGRAM_ISREFERUNIT" val="0"/>
-  <p:tag name="KSO_WM_UNIT_ID" val="_1**"/>
-  <p:tag name="KSO_WM_UNIT_LAYERLEVEL" val="1"/>
-  <p:tag name="KSO_WM_TAG_VERSION" val="1.0"/>
-  <p:tag name="KSO_WM_BEAUTIFY_FLAG" val="#wm#"/>
-</p:tagLst>
-</file>
-
-<file path=ppt/tags/tag360.xml><?xml version="1.0" encoding="utf-8"?>
+<file path=ppt/tags/tag365.xml><?xml version="1.0" encoding="utf-8"?>
 <p:tagLst xmlns:p="http://schemas.openxmlformats.org/presentationml/2006/main">
   <p:tag name="KSO_WM_TEMPLATE_CATEGORY" val="diagram"/>
   <p:tag name="KSO_WM_TEMPLATE_INDEX" val="333"/>
@@ -44609,7 +44877,7 @@
 </p:tagLst>
 </file>
 
-<file path=ppt/tags/tag361.xml><?xml version="1.0" encoding="utf-8"?>
+<file path=ppt/tags/tag366.xml><?xml version="1.0" encoding="utf-8"?>
 <p:tagLst xmlns:p="http://schemas.openxmlformats.org/presentationml/2006/main">
   <p:tag name="KSO_WM_TEMPLATE_CATEGORY" val="diagram"/>
   <p:tag name="KSO_WM_TEMPLATE_INDEX" val="333"/>
@@ -44629,7 +44897,7 @@
 </p:tagLst>
 </file>
 
-<file path=ppt/tags/tag362.xml><?xml version="1.0" encoding="utf-8"?>
+<file path=ppt/tags/tag367.xml><?xml version="1.0" encoding="utf-8"?>
 <p:tagLst xmlns:p="http://schemas.openxmlformats.org/presentationml/2006/main">
   <p:tag name="KSO_WM_TEMPLATE_CATEGORY" val="diagram"/>
   <p:tag name="KSO_WM_TEMPLATE_INDEX" val="333"/>
@@ -44652,7 +44920,7 @@
 </p:tagLst>
 </file>
 
-<file path=ppt/tags/tag363.xml><?xml version="1.0" encoding="utf-8"?>
+<file path=ppt/tags/tag368.xml><?xml version="1.0" encoding="utf-8"?>
 <p:tagLst xmlns:p="http://schemas.openxmlformats.org/presentationml/2006/main">
   <p:tag name="KSO_WM_TEMPLATE_CATEGORY" val="diagram"/>
   <p:tag name="KSO_WM_TEMPLATE_INDEX" val="333"/>
@@ -44670,7 +44938,7 @@
 </p:tagLst>
 </file>
 
-<file path=ppt/tags/tag364.xml><?xml version="1.0" encoding="utf-8"?>
+<file path=ppt/tags/tag369.xml><?xml version="1.0" encoding="utf-8"?>
 <p:tagLst xmlns:p="http://schemas.openxmlformats.org/presentationml/2006/main">
   <p:tag name="KSO_WM_TEMPLATE_CATEGORY" val="diagram"/>
   <p:tag name="KSO_WM_TEMPLATE_INDEX" val="333"/>
@@ -44678,108 +44946,6 @@
   <p:tag name="KSO_WM_UNIT_TYPE" val="l_i"/>
   <p:tag name="KSO_WM_UNIT_INDEX" val="1_3"/>
   <p:tag name="KSO_WM_UNIT_ID" val="diagram333_2*l_i*1_3"/>
-  <p:tag name="KSO_WM_UNIT_CLEAR" val="1"/>
-  <p:tag name="KSO_WM_UNIT_LAYERLEVEL" val="1_1"/>
-  <p:tag name="KSO_WM_BEAUTIFY_FLAG" val="#wm#"/>
-  <p:tag name="KSO_WM_DIAGRAM_GROUP_CODE" val="l1-1"/>
-  <p:tag name="KSO_WM_UNIT_LINE_FORE_SCHEMECOLOR_INDEX" val="6"/>
-  <p:tag name="KSO_WM_UNIT_LINE_FILL_TYPE" val="2"/>
-  <p:tag name="KSO_WM_UNIT_USESOURCEFORMAT_APPLY" val="1"/>
-</p:tagLst>
-</file>
-
-<file path=ppt/tags/tag365.xml><?xml version="1.0" encoding="utf-8"?>
-<p:tagLst xmlns:p="http://schemas.openxmlformats.org/presentationml/2006/main">
-  <p:tag name="KSO_WM_TEMPLATE_CATEGORY" val="diagram"/>
-  <p:tag name="KSO_WM_TEMPLATE_INDEX" val="333"/>
-  <p:tag name="KSO_WM_TAG_VERSION" val="1.0"/>
-  <p:tag name="KSO_WM_UNIT_TYPE" val="l_h_f"/>
-  <p:tag name="KSO_WM_UNIT_INDEX" val="1_1_1"/>
-  <p:tag name="KSO_WM_UNIT_ID" val="diagram333_2*l_h_f*1_1_1"/>
-  <p:tag name="KSO_WM_UNIT_CLEAR" val="1"/>
-  <p:tag name="KSO_WM_UNIT_LAYERLEVEL" val="1_1_1"/>
-  <p:tag name="KSO_WM_UNIT_VALUE" val="66"/>
-  <p:tag name="KSO_WM_UNIT_HIGHLIGHT" val="0"/>
-  <p:tag name="KSO_WM_UNIT_COMPATIBLE" val="0"/>
-  <p:tag name="KSO_WM_BEAUTIFY_FLAG" val="#wm#"/>
-  <p:tag name="KSO_WM_UNIT_PRESET_TEXT_INDEX" val="4"/>
-  <p:tag name="KSO_WM_UNIT_PRESET_TEXT_LEN" val="131"/>
-  <p:tag name="KSO_WM_DIAGRAM_GROUP_CODE" val="l1-1"/>
-  <p:tag name="KSO_WM_UNIT_TEXT_FILL_FORE_SCHEMECOLOR_INDEX" val="13"/>
-  <p:tag name="KSO_WM_UNIT_TEXT_FILL_TYPE" val="1"/>
-  <p:tag name="KSO_WM_UNIT_USESOURCEFORMAT_APPLY" val="1"/>
-</p:tagLst>
-</file>
-
-<file path=ppt/tags/tag366.xml><?xml version="1.0" encoding="utf-8"?>
-<p:tagLst xmlns:p="http://schemas.openxmlformats.org/presentationml/2006/main">
-  <p:tag name="KSO_WM_TEMPLATE_CATEGORY" val="diagram"/>
-  <p:tag name="KSO_WM_TEMPLATE_INDEX" val="333"/>
-  <p:tag name="KSO_WM_TAG_VERSION" val="1.0"/>
-  <p:tag name="KSO_WM_UNIT_TYPE" val="l_i"/>
-  <p:tag name="KSO_WM_UNIT_INDEX" val="1_4"/>
-  <p:tag name="KSO_WM_UNIT_ID" val="diagram333_2*l_i*1_4"/>
-  <p:tag name="KSO_WM_UNIT_CLEAR" val="1"/>
-  <p:tag name="KSO_WM_UNIT_LAYERLEVEL" val="1_1"/>
-  <p:tag name="KSO_WM_BEAUTIFY_FLAG" val="#wm#"/>
-  <p:tag name="KSO_WM_DIAGRAM_GROUP_CODE" val="l1-1"/>
-  <p:tag name="KSO_WM_UNIT_LINE_FORE_SCHEMECOLOR_INDEX" val="5"/>
-  <p:tag name="KSO_WM_UNIT_LINE_FILL_TYPE" val="2"/>
-  <p:tag name="KSO_WM_UNIT_TEXT_FILL_FORE_SCHEMECOLOR_INDEX" val="5"/>
-  <p:tag name="KSO_WM_UNIT_TEXT_FILL_TYPE" val="1"/>
-  <p:tag name="KSO_WM_UNIT_USESOURCEFORMAT_APPLY" val="1"/>
-</p:tagLst>
-</file>
-
-<file path=ppt/tags/tag367.xml><?xml version="1.0" encoding="utf-8"?>
-<p:tagLst xmlns:p="http://schemas.openxmlformats.org/presentationml/2006/main">
-  <p:tag name="KSO_WM_TEMPLATE_CATEGORY" val="diagram"/>
-  <p:tag name="KSO_WM_TEMPLATE_INDEX" val="333"/>
-  <p:tag name="KSO_WM_TAG_VERSION" val="1.0"/>
-  <p:tag name="KSO_WM_UNIT_TYPE" val="l_h_a"/>
-  <p:tag name="KSO_WM_UNIT_INDEX" val="1_2_1"/>
-  <p:tag name="KSO_WM_UNIT_ID" val="diagram333_2*l_h_a*1_2_1"/>
-  <p:tag name="KSO_WM_UNIT_CLEAR" val="1"/>
-  <p:tag name="KSO_WM_UNIT_LAYERLEVEL" val="1_1_1"/>
-  <p:tag name="KSO_WM_UNIT_VALUE" val="8"/>
-  <p:tag name="KSO_WM_UNIT_HIGHLIGHT" val="0"/>
-  <p:tag name="KSO_WM_UNIT_COMPATIBLE" val="0"/>
-  <p:tag name="KSO_WM_BEAUTIFY_FLAG" val="#wm#"/>
-  <p:tag name="KSO_WM_UNIT_PRESET_TEXT_INDEX" val="3"/>
-  <p:tag name="KSO_WM_UNIT_PRESET_TEXT_LEN" val="12"/>
-  <p:tag name="KSO_WM_DIAGRAM_GROUP_CODE" val="l1-1"/>
-  <p:tag name="KSO_WM_UNIT_TEXT_FILL_FORE_SCHEMECOLOR_INDEX" val="5"/>
-  <p:tag name="KSO_WM_UNIT_TEXT_FILL_TYPE" val="1"/>
-  <p:tag name="KSO_WM_UNIT_USESOURCEFORMAT_APPLY" val="1"/>
-</p:tagLst>
-</file>
-
-<file path=ppt/tags/tag368.xml><?xml version="1.0" encoding="utf-8"?>
-<p:tagLst xmlns:p="http://schemas.openxmlformats.org/presentationml/2006/main">
-  <p:tag name="KSO_WM_TEMPLATE_CATEGORY" val="diagram"/>
-  <p:tag name="KSO_WM_TEMPLATE_INDEX" val="333"/>
-  <p:tag name="KSO_WM_TAG_VERSION" val="1.0"/>
-  <p:tag name="KSO_WM_UNIT_TYPE" val="l_i"/>
-  <p:tag name="KSO_WM_UNIT_INDEX" val="1_5"/>
-  <p:tag name="KSO_WM_UNIT_ID" val="diagram333_2*l_i*1_5"/>
-  <p:tag name="KSO_WM_UNIT_CLEAR" val="1"/>
-  <p:tag name="KSO_WM_UNIT_LAYERLEVEL" val="1_1"/>
-  <p:tag name="KSO_WM_BEAUTIFY_FLAG" val="#wm#"/>
-  <p:tag name="KSO_WM_DIAGRAM_GROUP_CODE" val="l1-1"/>
-  <p:tag name="KSO_WM_UNIT_LINE_FORE_SCHEMECOLOR_INDEX" val="5"/>
-  <p:tag name="KSO_WM_UNIT_LINE_FILL_TYPE" val="2"/>
-  <p:tag name="KSO_WM_UNIT_USESOURCEFORMAT_APPLY" val="1"/>
-</p:tagLst>
-</file>
-
-<file path=ppt/tags/tag369.xml><?xml version="1.0" encoding="utf-8"?>
-<p:tagLst xmlns:p="http://schemas.openxmlformats.org/presentationml/2006/main">
-  <p:tag name="KSO_WM_TEMPLATE_CATEGORY" val="diagram"/>
-  <p:tag name="KSO_WM_TEMPLATE_INDEX" val="333"/>
-  <p:tag name="KSO_WM_TAG_VERSION" val="1.0"/>
-  <p:tag name="KSO_WM_UNIT_TYPE" val="l_i"/>
-  <p:tag name="KSO_WM_UNIT_INDEX" val="1_6"/>
-  <p:tag name="KSO_WM_UNIT_ID" val="diagram333_2*l_i*1_6"/>
   <p:tag name="KSO_WM_UNIT_CLEAR" val="1"/>
   <p:tag name="KSO_WM_UNIT_LAYERLEVEL" val="1_1"/>
   <p:tag name="KSO_WM_BEAUTIFY_FLAG" val="#wm#"/>
@@ -44809,6 +44975,108 @@
   <p:tag name="KSO_WM_TEMPLATE_INDEX" val="333"/>
   <p:tag name="KSO_WM_TAG_VERSION" val="1.0"/>
   <p:tag name="KSO_WM_UNIT_TYPE" val="l_h_f"/>
+  <p:tag name="KSO_WM_UNIT_INDEX" val="1_1_1"/>
+  <p:tag name="KSO_WM_UNIT_ID" val="diagram333_2*l_h_f*1_1_1"/>
+  <p:tag name="KSO_WM_UNIT_CLEAR" val="1"/>
+  <p:tag name="KSO_WM_UNIT_LAYERLEVEL" val="1_1_1"/>
+  <p:tag name="KSO_WM_UNIT_VALUE" val="66"/>
+  <p:tag name="KSO_WM_UNIT_HIGHLIGHT" val="0"/>
+  <p:tag name="KSO_WM_UNIT_COMPATIBLE" val="0"/>
+  <p:tag name="KSO_WM_BEAUTIFY_FLAG" val="#wm#"/>
+  <p:tag name="KSO_WM_UNIT_PRESET_TEXT_INDEX" val="4"/>
+  <p:tag name="KSO_WM_UNIT_PRESET_TEXT_LEN" val="131"/>
+  <p:tag name="KSO_WM_DIAGRAM_GROUP_CODE" val="l1-1"/>
+  <p:tag name="KSO_WM_UNIT_TEXT_FILL_FORE_SCHEMECOLOR_INDEX" val="13"/>
+  <p:tag name="KSO_WM_UNIT_TEXT_FILL_TYPE" val="1"/>
+  <p:tag name="KSO_WM_UNIT_USESOURCEFORMAT_APPLY" val="1"/>
+</p:tagLst>
+</file>
+
+<file path=ppt/tags/tag371.xml><?xml version="1.0" encoding="utf-8"?>
+<p:tagLst xmlns:p="http://schemas.openxmlformats.org/presentationml/2006/main">
+  <p:tag name="KSO_WM_TEMPLATE_CATEGORY" val="diagram"/>
+  <p:tag name="KSO_WM_TEMPLATE_INDEX" val="333"/>
+  <p:tag name="KSO_WM_TAG_VERSION" val="1.0"/>
+  <p:tag name="KSO_WM_UNIT_TYPE" val="l_i"/>
+  <p:tag name="KSO_WM_UNIT_INDEX" val="1_4"/>
+  <p:tag name="KSO_WM_UNIT_ID" val="diagram333_2*l_i*1_4"/>
+  <p:tag name="KSO_WM_UNIT_CLEAR" val="1"/>
+  <p:tag name="KSO_WM_UNIT_LAYERLEVEL" val="1_1"/>
+  <p:tag name="KSO_WM_BEAUTIFY_FLAG" val="#wm#"/>
+  <p:tag name="KSO_WM_DIAGRAM_GROUP_CODE" val="l1-1"/>
+  <p:tag name="KSO_WM_UNIT_LINE_FORE_SCHEMECOLOR_INDEX" val="5"/>
+  <p:tag name="KSO_WM_UNIT_LINE_FILL_TYPE" val="2"/>
+  <p:tag name="KSO_WM_UNIT_TEXT_FILL_FORE_SCHEMECOLOR_INDEX" val="5"/>
+  <p:tag name="KSO_WM_UNIT_TEXT_FILL_TYPE" val="1"/>
+  <p:tag name="KSO_WM_UNIT_USESOURCEFORMAT_APPLY" val="1"/>
+</p:tagLst>
+</file>
+
+<file path=ppt/tags/tag372.xml><?xml version="1.0" encoding="utf-8"?>
+<p:tagLst xmlns:p="http://schemas.openxmlformats.org/presentationml/2006/main">
+  <p:tag name="KSO_WM_TEMPLATE_CATEGORY" val="diagram"/>
+  <p:tag name="KSO_WM_TEMPLATE_INDEX" val="333"/>
+  <p:tag name="KSO_WM_TAG_VERSION" val="1.0"/>
+  <p:tag name="KSO_WM_UNIT_TYPE" val="l_h_a"/>
+  <p:tag name="KSO_WM_UNIT_INDEX" val="1_2_1"/>
+  <p:tag name="KSO_WM_UNIT_ID" val="diagram333_2*l_h_a*1_2_1"/>
+  <p:tag name="KSO_WM_UNIT_CLEAR" val="1"/>
+  <p:tag name="KSO_WM_UNIT_LAYERLEVEL" val="1_1_1"/>
+  <p:tag name="KSO_WM_UNIT_VALUE" val="8"/>
+  <p:tag name="KSO_WM_UNIT_HIGHLIGHT" val="0"/>
+  <p:tag name="KSO_WM_UNIT_COMPATIBLE" val="0"/>
+  <p:tag name="KSO_WM_BEAUTIFY_FLAG" val="#wm#"/>
+  <p:tag name="KSO_WM_UNIT_PRESET_TEXT_INDEX" val="3"/>
+  <p:tag name="KSO_WM_UNIT_PRESET_TEXT_LEN" val="12"/>
+  <p:tag name="KSO_WM_DIAGRAM_GROUP_CODE" val="l1-1"/>
+  <p:tag name="KSO_WM_UNIT_TEXT_FILL_FORE_SCHEMECOLOR_INDEX" val="5"/>
+  <p:tag name="KSO_WM_UNIT_TEXT_FILL_TYPE" val="1"/>
+  <p:tag name="KSO_WM_UNIT_USESOURCEFORMAT_APPLY" val="1"/>
+</p:tagLst>
+</file>
+
+<file path=ppt/tags/tag373.xml><?xml version="1.0" encoding="utf-8"?>
+<p:tagLst xmlns:p="http://schemas.openxmlformats.org/presentationml/2006/main">
+  <p:tag name="KSO_WM_TEMPLATE_CATEGORY" val="diagram"/>
+  <p:tag name="KSO_WM_TEMPLATE_INDEX" val="333"/>
+  <p:tag name="KSO_WM_TAG_VERSION" val="1.0"/>
+  <p:tag name="KSO_WM_UNIT_TYPE" val="l_i"/>
+  <p:tag name="KSO_WM_UNIT_INDEX" val="1_5"/>
+  <p:tag name="KSO_WM_UNIT_ID" val="diagram333_2*l_i*1_5"/>
+  <p:tag name="KSO_WM_UNIT_CLEAR" val="1"/>
+  <p:tag name="KSO_WM_UNIT_LAYERLEVEL" val="1_1"/>
+  <p:tag name="KSO_WM_BEAUTIFY_FLAG" val="#wm#"/>
+  <p:tag name="KSO_WM_DIAGRAM_GROUP_CODE" val="l1-1"/>
+  <p:tag name="KSO_WM_UNIT_LINE_FORE_SCHEMECOLOR_INDEX" val="5"/>
+  <p:tag name="KSO_WM_UNIT_LINE_FILL_TYPE" val="2"/>
+  <p:tag name="KSO_WM_UNIT_USESOURCEFORMAT_APPLY" val="1"/>
+</p:tagLst>
+</file>
+
+<file path=ppt/tags/tag374.xml><?xml version="1.0" encoding="utf-8"?>
+<p:tagLst xmlns:p="http://schemas.openxmlformats.org/presentationml/2006/main">
+  <p:tag name="KSO_WM_TEMPLATE_CATEGORY" val="diagram"/>
+  <p:tag name="KSO_WM_TEMPLATE_INDEX" val="333"/>
+  <p:tag name="KSO_WM_TAG_VERSION" val="1.0"/>
+  <p:tag name="KSO_WM_UNIT_TYPE" val="l_i"/>
+  <p:tag name="KSO_WM_UNIT_INDEX" val="1_6"/>
+  <p:tag name="KSO_WM_UNIT_ID" val="diagram333_2*l_i*1_6"/>
+  <p:tag name="KSO_WM_UNIT_CLEAR" val="1"/>
+  <p:tag name="KSO_WM_UNIT_LAYERLEVEL" val="1_1"/>
+  <p:tag name="KSO_WM_BEAUTIFY_FLAG" val="#wm#"/>
+  <p:tag name="KSO_WM_DIAGRAM_GROUP_CODE" val="l1-1"/>
+  <p:tag name="KSO_WM_UNIT_LINE_FORE_SCHEMECOLOR_INDEX" val="6"/>
+  <p:tag name="KSO_WM_UNIT_LINE_FILL_TYPE" val="2"/>
+  <p:tag name="KSO_WM_UNIT_USESOURCEFORMAT_APPLY" val="1"/>
+</p:tagLst>
+</file>
+
+<file path=ppt/tags/tag375.xml><?xml version="1.0" encoding="utf-8"?>
+<p:tagLst xmlns:p="http://schemas.openxmlformats.org/presentationml/2006/main">
+  <p:tag name="KSO_WM_TEMPLATE_CATEGORY" val="diagram"/>
+  <p:tag name="KSO_WM_TEMPLATE_INDEX" val="333"/>
+  <p:tag name="KSO_WM_TAG_VERSION" val="1.0"/>
+  <p:tag name="KSO_WM_UNIT_TYPE" val="l_h_f"/>
   <p:tag name="KSO_WM_UNIT_INDEX" val="1_2_1"/>
   <p:tag name="KSO_WM_UNIT_ID" val="diagram333_2*l_h_f*1_2_1"/>
   <p:tag name="KSO_WM_UNIT_CLEAR" val="1"/>
@@ -44826,7 +45094,7 @@
 </p:tagLst>
 </file>
 
-<file path=ppt/tags/tag371.xml><?xml version="1.0" encoding="utf-8"?>
+<file path=ppt/tags/tag376.xml><?xml version="1.0" encoding="utf-8"?>
 <p:tagLst xmlns:p="http://schemas.openxmlformats.org/presentationml/2006/main">
   <p:tag name="KSO_WM_SLIDE_ID" val="diagram333_2"/>
   <p:tag name="KSO_WM_SLIDE_INDEX" val="2"/>
@@ -44845,7 +45113,7 @@
 </p:tagLst>
 </file>
 
-<file path=ppt/tags/tag372.xml><?xml version="1.0" encoding="utf-8"?>
+<file path=ppt/tags/tag377.xml><?xml version="1.0" encoding="utf-8"?>
 <p:tagLst xmlns:p="http://schemas.openxmlformats.org/presentationml/2006/main">
   <p:tag name="KSO_WM_UNIT_HIGHLIGHT" val="0"/>
   <p:tag name="KSO_WM_UNIT_COMPATIBLE" val="0"/>
@@ -44862,7 +45130,7 @@
 </p:tagLst>
 </file>
 
-<file path=ppt/tags/tag373.xml><?xml version="1.0" encoding="utf-8"?>
+<file path=ppt/tags/tag378.xml><?xml version="1.0" encoding="utf-8"?>
 <p:tagLst xmlns:p="http://schemas.openxmlformats.org/presentationml/2006/main">
   <p:tag name="KSO_WM_UNIT_HIGHLIGHT" val="0"/>
   <p:tag name="KSO_WM_UNIT_COMPATIBLE" val="0"/>
@@ -44879,7 +45147,7 @@
 </p:tagLst>
 </file>
 
-<file path=ppt/tags/tag374.xml><?xml version="1.0" encoding="utf-8"?>
+<file path=ppt/tags/tag379.xml><?xml version="1.0" encoding="utf-8"?>
 <p:tagLst xmlns:p="http://schemas.openxmlformats.org/presentationml/2006/main">
   <p:tag name="KSO_WM_UNIT_HIGHLIGHT" val="0"/>
   <p:tag name="KSO_WM_UNIT_COMPATIBLE" val="0"/>
@@ -44896,7 +45164,20 @@
 </p:tagLst>
 </file>
 
-<file path=ppt/tags/tag375.xml><?xml version="1.0" encoding="utf-8"?>
+<file path=ppt/tags/tag38.xml><?xml version="1.0" encoding="utf-8"?>
+<p:tagLst xmlns:p="http://schemas.openxmlformats.org/presentationml/2006/main">
+  <p:tag name="KSO_WM_UNIT_HIGHLIGHT" val="0"/>
+  <p:tag name="KSO_WM_UNIT_COMPATIBLE" val="0"/>
+  <p:tag name="KSO_WM_UNIT_DIAGRAM_ISNUMVISUAL" val="0"/>
+  <p:tag name="KSO_WM_UNIT_DIAGRAM_ISREFERUNIT" val="0"/>
+  <p:tag name="KSO_WM_UNIT_ID" val="_1**"/>
+  <p:tag name="KSO_WM_UNIT_LAYERLEVEL" val="1"/>
+  <p:tag name="KSO_WM_TAG_VERSION" val="1.0"/>
+  <p:tag name="KSO_WM_BEAUTIFY_FLAG" val="#wm#"/>
+</p:tagLst>
+</file>
+
+<file path=ppt/tags/tag380.xml><?xml version="1.0" encoding="utf-8"?>
 <p:tagLst xmlns:p="http://schemas.openxmlformats.org/presentationml/2006/main">
   <p:tag name="KSO_WM_UNIT_HIGHLIGHT" val="0"/>
   <p:tag name="KSO_WM_UNIT_COMPATIBLE" val="0"/>
@@ -44913,7 +45194,7 @@
 </p:tagLst>
 </file>
 
-<file path=ppt/tags/tag376.xml><?xml version="1.0" encoding="utf-8"?>
+<file path=ppt/tags/tag381.xml><?xml version="1.0" encoding="utf-8"?>
 <p:tagLst xmlns:p="http://schemas.openxmlformats.org/presentationml/2006/main">
   <p:tag name="KSO_WM_UNIT_TEXT_PART_ID_V2" val="d-4-1"/>
   <p:tag name="KSO_WM_UNIT_PRESET_TEXT" val="此处添加小标题：&#13;点击此处添加正文，文字是您思想的提炼，为了最终演示发布的良好效果，请尽量言简意赅的阐述观点。&#13;此处添加小标题：&#13;点击此处添加正文，文字是您思想的提炼，为了最终演示发布的良好效果，请尽量言简意赅的阐述观点；根据需要可酌情增减文字，以便观者可以准确理解您所传达的信息。&#13;此处添加小标题：&#13;您的正文已经简明扼要，字字珠玑，但信息却千丝万缕、错综复杂，需要用更多的文字来表述；但请您尽可能提炼思想的精髓，恰如其分的表达观点，往往可以事半功倍。&#13;为了能让您有更直观的字数感受，并进一步方便使用，我们为您标注了最适合的位置。您输入的文字到这里时，就是最佳视觉效果。&#13;此处添加小标题：&#13;点击此处添加正文，文字是您思想的提炼，为了最终演示发布的良好效果，请尽量言简意赅的阐述观点；根据需要可酌情增减文字，以便观者可以准确理解您所传达的信息。"/>
@@ -44934,7 +45215,7 @@
 </p:tagLst>
 </file>
 
-<file path=ppt/tags/tag377.xml><?xml version="1.0" encoding="utf-8"?>
+<file path=ppt/tags/tag382.xml><?xml version="1.0" encoding="utf-8"?>
 <p:tagLst xmlns:p="http://schemas.openxmlformats.org/presentationml/2006/main">
   <p:tag name="KSO_WM_UNIT_ISCONTENTSTITLE" val="0"/>
   <p:tag name="KSO_WM_UNIT_PRESET_TEXT" val="此处可添加您的大标题内容"/>
@@ -44958,7 +45239,7 @@
 </p:tagLst>
 </file>
 
-<file path=ppt/tags/tag378.xml><?xml version="1.0" encoding="utf-8"?>
+<file path=ppt/tags/tag383.xml><?xml version="1.0" encoding="utf-8"?>
 <p:tagLst xmlns:p="http://schemas.openxmlformats.org/presentationml/2006/main">
   <p:tag name="KSO_WM_SLIDE_ID" val="diagram20194764_1"/>
   <p:tag name="KSO_WM_TEMPLATE_SUBCATEGORY" val="0"/>
@@ -44977,7 +45258,7 @@
 </p:tagLst>
 </file>
 
-<file path=ppt/tags/tag379.xml><?xml version="1.0" encoding="utf-8"?>
+<file path=ppt/tags/tag384.xml><?xml version="1.0" encoding="utf-8"?>
 <p:tagLst xmlns:p="http://schemas.openxmlformats.org/presentationml/2006/main">
   <p:tag name="KSO_WM_UNIT_HIGHLIGHT" val="0"/>
   <p:tag name="KSO_WM_UNIT_COMPATIBLE" val="0"/>
@@ -44994,20 +45275,7 @@
 </p:tagLst>
 </file>
 
-<file path=ppt/tags/tag38.xml><?xml version="1.0" encoding="utf-8"?>
-<p:tagLst xmlns:p="http://schemas.openxmlformats.org/presentationml/2006/main">
-  <p:tag name="KSO_WM_UNIT_HIGHLIGHT" val="0"/>
-  <p:tag name="KSO_WM_UNIT_COMPATIBLE" val="0"/>
-  <p:tag name="KSO_WM_UNIT_DIAGRAM_ISNUMVISUAL" val="0"/>
-  <p:tag name="KSO_WM_UNIT_DIAGRAM_ISREFERUNIT" val="0"/>
-  <p:tag name="KSO_WM_UNIT_ID" val="_1**"/>
-  <p:tag name="KSO_WM_UNIT_LAYERLEVEL" val="1"/>
-  <p:tag name="KSO_WM_TAG_VERSION" val="1.0"/>
-  <p:tag name="KSO_WM_BEAUTIFY_FLAG" val="#wm#"/>
-</p:tagLst>
-</file>
-
-<file path=ppt/tags/tag380.xml><?xml version="1.0" encoding="utf-8"?>
+<file path=ppt/tags/tag385.xml><?xml version="1.0" encoding="utf-8"?>
 <p:tagLst xmlns:p="http://schemas.openxmlformats.org/presentationml/2006/main">
   <p:tag name="KSO_WM_UNIT_HIGHLIGHT" val="0"/>
   <p:tag name="KSO_WM_UNIT_COMPATIBLE" val="0"/>
@@ -45024,7 +45292,7 @@
 </p:tagLst>
 </file>
 
-<file path=ppt/tags/tag381.xml><?xml version="1.0" encoding="utf-8"?>
+<file path=ppt/tags/tag386.xml><?xml version="1.0" encoding="utf-8"?>
 <p:tagLst xmlns:p="http://schemas.openxmlformats.org/presentationml/2006/main">
   <p:tag name="KSO_WM_UNIT_HIGHLIGHT" val="0"/>
   <p:tag name="KSO_WM_UNIT_COMPATIBLE" val="0"/>
@@ -45041,7 +45309,7 @@
 </p:tagLst>
 </file>
 
-<file path=ppt/tags/tag382.xml><?xml version="1.0" encoding="utf-8"?>
+<file path=ppt/tags/tag387.xml><?xml version="1.0" encoding="utf-8"?>
 <p:tagLst xmlns:p="http://schemas.openxmlformats.org/presentationml/2006/main">
   <p:tag name="KSO_WM_UNIT_HIGHLIGHT" val="0"/>
   <p:tag name="KSO_WM_UNIT_COMPATIBLE" val="0"/>
@@ -45058,7 +45326,7 @@
 </p:tagLst>
 </file>
 
-<file path=ppt/tags/tag383.xml><?xml version="1.0" encoding="utf-8"?>
+<file path=ppt/tags/tag388.xml><?xml version="1.0" encoding="utf-8"?>
 <p:tagLst xmlns:p="http://schemas.openxmlformats.org/presentationml/2006/main">
   <p:tag name="KSO_WM_UNIT_TEXT_PART_ID_V2" val="d-4-1"/>
   <p:tag name="KSO_WM_UNIT_PRESET_TEXT" val="此处添加小标题：&#13;点击此处添加正文，文字是您思想的提炼，为了最终演示发布的良好效果，请尽量言简意赅的阐述观点。&#13;此处添加小标题：&#13;点击此处添加正文，文字是您思想的提炼，为了最终演示发布的良好效果，请尽量言简意赅的阐述观点；根据需要可酌情增减文字，以便观者可以准确理解您所传达的信息。&#13;此处添加小标题：&#13;您的正文已经简明扼要，字字珠玑，但信息却千丝万缕、错综复杂，需要用更多的文字来表述；但请您尽可能提炼思想的精髓，恰如其分的表达观点，往往可以事半功倍。&#13;为了能让您有更直观的字数感受，并进一步方便使用，我们为您标注了最适合的位置。您输入的文字到这里时，就是最佳视觉效果。&#13;此处添加小标题：&#13;点击此处添加正文，文字是您思想的提炼，为了最终演示发布的良好效果，请尽量言简意赅的阐述观点；根据需要可酌情增减文字，以便观者可以准确理解您所传达的信息。"/>
@@ -45079,7 +45347,7 @@
 </p:tagLst>
 </file>
 
-<file path=ppt/tags/tag384.xml><?xml version="1.0" encoding="utf-8"?>
+<file path=ppt/tags/tag389.xml><?xml version="1.0" encoding="utf-8"?>
 <p:tagLst xmlns:p="http://schemas.openxmlformats.org/presentationml/2006/main">
   <p:tag name="KSO_WM_UNIT_ISCONTENTSTITLE" val="0"/>
   <p:tag name="KSO_WM_UNIT_PRESET_TEXT" val="此处可添加您的大标题内容"/>
@@ -45103,7 +45371,20 @@
 </p:tagLst>
 </file>
 
-<file path=ppt/tags/tag385.xml><?xml version="1.0" encoding="utf-8"?>
+<file path=ppt/tags/tag39.xml><?xml version="1.0" encoding="utf-8"?>
+<p:tagLst xmlns:p="http://schemas.openxmlformats.org/presentationml/2006/main">
+  <p:tag name="KSO_WM_UNIT_HIGHLIGHT" val="0"/>
+  <p:tag name="KSO_WM_UNIT_COMPATIBLE" val="0"/>
+  <p:tag name="KSO_WM_UNIT_DIAGRAM_ISNUMVISUAL" val="0"/>
+  <p:tag name="KSO_WM_UNIT_DIAGRAM_ISREFERUNIT" val="0"/>
+  <p:tag name="KSO_WM_UNIT_ID" val="_1**"/>
+  <p:tag name="KSO_WM_UNIT_LAYERLEVEL" val="1"/>
+  <p:tag name="KSO_WM_TAG_VERSION" val="1.0"/>
+  <p:tag name="KSO_WM_BEAUTIFY_FLAG" val="#wm#"/>
+</p:tagLst>
+</file>
+
+<file path=ppt/tags/tag390.xml><?xml version="1.0" encoding="utf-8"?>
 <p:tagLst xmlns:p="http://schemas.openxmlformats.org/presentationml/2006/main">
   <p:tag name="KSO_WM_SLIDE_ID" val="diagram20194764_1"/>
   <p:tag name="KSO_WM_TEMPLATE_SUBCATEGORY" val="0"/>
@@ -45122,7 +45403,7 @@
 </p:tagLst>
 </file>
 
-<file path=ppt/tags/tag386.xml><?xml version="1.0" encoding="utf-8"?>
+<file path=ppt/tags/tag391.xml><?xml version="1.0" encoding="utf-8"?>
 <p:tagLst xmlns:p="http://schemas.openxmlformats.org/presentationml/2006/main">
   <p:tag name="KSO_WM_TEMPLATE_CATEGORY" val="diagram"/>
   <p:tag name="KSO_WM_TEMPLATE_INDEX" val="9091"/>
@@ -45139,7 +45420,7 @@
 </p:tagLst>
 </file>
 
-<file path=ppt/tags/tag387.xml><?xml version="1.0" encoding="utf-8"?>
+<file path=ppt/tags/tag392.xml><?xml version="1.0" encoding="utf-8"?>
 <p:tagLst xmlns:p="http://schemas.openxmlformats.org/presentationml/2006/main">
   <p:tag name="KSO_WM_BEAUTIFY_FLAG" val="#wm#"/>
   <p:tag name="KSO_WM_UNIT_TYPE" val="i"/>
@@ -45150,7 +45431,7 @@
 </p:tagLst>
 </file>
 
-<file path=ppt/tags/tag388.xml><?xml version="1.0" encoding="utf-8"?>
+<file path=ppt/tags/tag393.xml><?xml version="1.0" encoding="utf-8"?>
 <p:tagLst xmlns:p="http://schemas.openxmlformats.org/presentationml/2006/main">
   <p:tag name="KSO_WM_BEAUTIFY_FLAG" val="#wm#"/>
   <p:tag name="KSO_WM_UNIT_TYPE" val="i"/>
@@ -45161,7 +45442,7 @@
 </p:tagLst>
 </file>
 
-<file path=ppt/tags/tag389.xml><?xml version="1.0" encoding="utf-8"?>
+<file path=ppt/tags/tag394.xml><?xml version="1.0" encoding="utf-8"?>
 <p:tagLst xmlns:p="http://schemas.openxmlformats.org/presentationml/2006/main">
   <p:tag name="KSO_WM_TEMPLATE_CATEGORY" val="diagram"/>
   <p:tag name="KSO_WM_TEMPLATE_INDEX" val="9091"/>
@@ -45178,20 +45459,7 @@
 </p:tagLst>
 </file>
 
-<file path=ppt/tags/tag39.xml><?xml version="1.0" encoding="utf-8"?>
-<p:tagLst xmlns:p="http://schemas.openxmlformats.org/presentationml/2006/main">
-  <p:tag name="KSO_WM_UNIT_HIGHLIGHT" val="0"/>
-  <p:tag name="KSO_WM_UNIT_COMPATIBLE" val="0"/>
-  <p:tag name="KSO_WM_UNIT_DIAGRAM_ISNUMVISUAL" val="0"/>
-  <p:tag name="KSO_WM_UNIT_DIAGRAM_ISREFERUNIT" val="0"/>
-  <p:tag name="KSO_WM_UNIT_ID" val="_1**"/>
-  <p:tag name="KSO_WM_UNIT_LAYERLEVEL" val="1"/>
-  <p:tag name="KSO_WM_TAG_VERSION" val="1.0"/>
-  <p:tag name="KSO_WM_BEAUTIFY_FLAG" val="#wm#"/>
-</p:tagLst>
-</file>
-
-<file path=ppt/tags/tag390.xml><?xml version="1.0" encoding="utf-8"?>
+<file path=ppt/tags/tag395.xml><?xml version="1.0" encoding="utf-8"?>
 <p:tagLst xmlns:p="http://schemas.openxmlformats.org/presentationml/2006/main">
   <p:tag name="KSO_WM_UNIT_INDEX" val="1_1"/>
   <p:tag name="KSO_WM_UNIT_CLEAR" val="1"/>
@@ -45205,7 +45473,7 @@
 </p:tagLst>
 </file>
 
-<file path=ppt/tags/tag391.xml><?xml version="1.0" encoding="utf-8"?>
+<file path=ppt/tags/tag396.xml><?xml version="1.0" encoding="utf-8"?>
 <p:tagLst xmlns:p="http://schemas.openxmlformats.org/presentationml/2006/main">
   <p:tag name="KSO_WM_UNIT_INDEX" val="1_2"/>
   <p:tag name="KSO_WM_UNIT_CLEAR" val="1"/>
@@ -45219,7 +45487,7 @@
 </p:tagLst>
 </file>
 
-<file path=ppt/tags/tag392.xml><?xml version="1.0" encoding="utf-8"?>
+<file path=ppt/tags/tag397.xml><?xml version="1.0" encoding="utf-8"?>
 <p:tagLst xmlns:p="http://schemas.openxmlformats.org/presentationml/2006/main">
   <p:tag name="KSO_WM_TEMPLATE_CATEGORY" val="diagram"/>
   <p:tag name="KSO_WM_TEMPLATE_INDEX" val="9091"/>
@@ -45238,7 +45506,7 @@
 </p:tagLst>
 </file>
 
-<file path=ppt/tags/tag393.xml><?xml version="1.0" encoding="utf-8"?>
+<file path=ppt/tags/tag398.xml><?xml version="1.0" encoding="utf-8"?>
 <p:tagLst xmlns:p="http://schemas.openxmlformats.org/presentationml/2006/main">
   <p:tag name="KSO_WM_UNIT_INDEX" val="1_3"/>
   <p:tag name="KSO_WM_UNIT_CLEAR" val="1"/>
@@ -45252,7 +45520,7 @@
 </p:tagLst>
 </file>
 
-<file path=ppt/tags/tag394.xml><?xml version="1.0" encoding="utf-8"?>
+<file path=ppt/tags/tag399.xml><?xml version="1.0" encoding="utf-8"?>
 <p:tagLst xmlns:p="http://schemas.openxmlformats.org/presentationml/2006/main">
   <p:tag name="KSO_WM_TEMPLATE_CATEGORY" val="diagram"/>
   <p:tag name="KSO_WM_TEMPLATE_INDEX" val="9091"/>
@@ -45268,97 +45536,6 @@
   <p:tag name="KSO_WM_UNIT_PRESET_TEXT_LEN" val="72"/>
   <p:tag name="KSO_WM_BEAUTIFY_FLAG" val="#wm#"/>
   <p:tag name="KSO_WM_TAG_VERSION" val="1.0"/>
-</p:tagLst>
-</file>
-
-<file path=ppt/tags/tag395.xml><?xml version="1.0" encoding="utf-8"?>
-<p:tagLst xmlns:p="http://schemas.openxmlformats.org/presentationml/2006/main">
-  <p:tag name="KSO_WM_TEMPLATE_CATEGORY" val="diagram"/>
-  <p:tag name="KSO_WM_TEMPLATE_INDEX" val="9091"/>
-  <p:tag name="KSO_WM_UNIT_TYPE" val="h_a"/>
-  <p:tag name="KSO_WM_UNIT_INDEX" val="2_1"/>
-  <p:tag name="KSO_WM_UNIT_ID" val="256*h_a*2_1"/>
-  <p:tag name="KSO_WM_UNIT_CLEAR" val="1"/>
-  <p:tag name="KSO_WM_UNIT_LAYERLEVEL" val="1_1"/>
-  <p:tag name="KSO_WM_UNIT_VALUE" val="13"/>
-  <p:tag name="KSO_WM_UNIT_HIGHLIGHT" val="0"/>
-  <p:tag name="KSO_WM_UNIT_COMPATIBLE" val="0"/>
-  <p:tag name="KSO_WM_UNIT_PRESET_TEXT_INDEX" val="3"/>
-  <p:tag name="KSO_WM_UNIT_PRESET_TEXT_LEN" val="12"/>
-  <p:tag name="KSO_WM_BEAUTIFY_FLAG" val="#wm#"/>
-  <p:tag name="KSO_WM_TAG_VERSION" val="1.0"/>
-</p:tagLst>
-</file>
-
-<file path=ppt/tags/tag396.xml><?xml version="1.0" encoding="utf-8"?>
-<p:tagLst xmlns:p="http://schemas.openxmlformats.org/presentationml/2006/main">
-  <p:tag name="KSO_WM_UNIT_INDEX" val="1_4"/>
-  <p:tag name="KSO_WM_UNIT_CLEAR" val="1"/>
-  <p:tag name="KSO_WM_UNIT_LAYERLEVEL" val="1_1"/>
-  <p:tag name="KSO_WM_BEAUTIFY_FLAG" val="#wm#"/>
-  <p:tag name="KSO_WM_UNIT_TYPE" val="i"/>
-  <p:tag name="KSO_WM_UNIT_ID" val="diagram9091_1*i*16"/>
-  <p:tag name="KSO_WM_TEMPLATE_CATEGORY" val="diagram"/>
-  <p:tag name="KSO_WM_TEMPLATE_INDEX" val="9091"/>
-  <p:tag name="KSO_WM_TAG_VERSION" val="1.0"/>
-</p:tagLst>
-</file>
-
-<file path=ppt/tags/tag397.xml><?xml version="1.0" encoding="utf-8"?>
-<p:tagLst xmlns:p="http://schemas.openxmlformats.org/presentationml/2006/main">
-  <p:tag name="KSO_WM_TEMPLATE_CATEGORY" val="diagram"/>
-  <p:tag name="KSO_WM_TEMPLATE_INDEX" val="9091"/>
-  <p:tag name="KSO_WM_UNIT_TYPE" val="h_f"/>
-  <p:tag name="KSO_WM_UNIT_INDEX" val="2_1"/>
-  <p:tag name="KSO_WM_UNIT_ID" val="256*h_f*2_1"/>
-  <p:tag name="KSO_WM_UNIT_CLEAR" val="1"/>
-  <p:tag name="KSO_WM_UNIT_LAYERLEVEL" val="1_1"/>
-  <p:tag name="KSO_WM_UNIT_VALUE" val="52"/>
-  <p:tag name="KSO_WM_UNIT_HIGHLIGHT" val="0"/>
-  <p:tag name="KSO_WM_UNIT_COMPATIBLE" val="0"/>
-  <p:tag name="KSO_WM_UNIT_PRESET_TEXT_INDEX" val="3"/>
-  <p:tag name="KSO_WM_UNIT_PRESET_TEXT_LEN" val="72"/>
-  <p:tag name="KSO_WM_BEAUTIFY_FLAG" val="#wm#"/>
-  <p:tag name="KSO_WM_TAG_VERSION" val="1.0"/>
-</p:tagLst>
-</file>
-
-<file path=ppt/tags/tag398.xml><?xml version="1.0" encoding="utf-8"?>
-<p:tagLst xmlns:p="http://schemas.openxmlformats.org/presentationml/2006/main">
-  <p:tag name="KSO_WM_TEMPLATE_CATEGORY" val="diagram"/>
-  <p:tag name="KSO_WM_TEMPLATE_INDEX" val="9091"/>
-  <p:tag name="KSO_WM_UNIT_TYPE" val="a"/>
-  <p:tag name="KSO_WM_UNIT_INDEX" val="1"/>
-  <p:tag name="KSO_WM_UNIT_ID" val="256*a*1"/>
-  <p:tag name="KSO_WM_UNIT_CLEAR" val="1"/>
-  <p:tag name="KSO_WM_UNIT_LAYERLEVEL" val="1"/>
-  <p:tag name="KSO_WM_UNIT_VALUE" val="10"/>
-  <p:tag name="KSO_WM_UNIT_ISCONTENTSTITLE" val="0"/>
-  <p:tag name="KSO_WM_UNIT_HIGHLIGHT" val="0"/>
-  <p:tag name="KSO_WM_UNIT_COMPATIBLE" val="0"/>
-  <p:tag name="KSO_WM_BEAUTIFY_FLAG" val="#wm#"/>
-  <p:tag name="KSO_WM_UNIT_PRESET_TEXT_INDEX" val="3"/>
-  <p:tag name="KSO_WM_UNIT_PRESET_TEXT_LEN" val="17"/>
-  <p:tag name="KSO_WM_TAG_VERSION" val="1.0"/>
-</p:tagLst>
-</file>
-
-<file path=ppt/tags/tag399.xml><?xml version="1.0" encoding="utf-8"?>
-<p:tagLst xmlns:p="http://schemas.openxmlformats.org/presentationml/2006/main">
-  <p:tag name="KSO_WM_SLIDE_ID" val="diagram9091_1"/>
-  <p:tag name="KSO_WM_TEMPLATE_SUBCATEGORY" val="0"/>
-  <p:tag name="KSO_WM_SLIDE_TYPE" val="text"/>
-  <p:tag name="KSO_WM_SLIDE_SUBTYPE" val="pureTxt"/>
-  <p:tag name="KSO_WM_SLIDE_ITEM_CNT" val="2"/>
-  <p:tag name="KSO_WM_SLIDE_INDEX" val="1"/>
-  <p:tag name="KSO_WM_SLIDE_SIZE" val="642*387"/>
-  <p:tag name="KSO_WM_SLIDE_POSITION" val="36*119"/>
-  <p:tag name="KSO_WM_TAG_VERSION" val="1.0"/>
-  <p:tag name="KSO_WM_BEAUTIFY_FLAG" val="#wm#"/>
-  <p:tag name="KSO_WM_TEMPLATE_CATEGORY" val="diagram"/>
-  <p:tag name="KSO_WM_TEMPLATE_INDEX" val="9091"/>
-  <p:tag name="KSO_WM_SLIDE_LAYOUT" val="a_d_h"/>
-  <p:tag name="KSO_WM_SLIDE_LAYOUT_CNT" val="1_2_2"/>
 </p:tagLst>
 </file>
 
@@ -45390,6 +45567,97 @@
 
 <file path=ppt/tags/tag400.xml><?xml version="1.0" encoding="utf-8"?>
 <p:tagLst xmlns:p="http://schemas.openxmlformats.org/presentationml/2006/main">
+  <p:tag name="KSO_WM_TEMPLATE_CATEGORY" val="diagram"/>
+  <p:tag name="KSO_WM_TEMPLATE_INDEX" val="9091"/>
+  <p:tag name="KSO_WM_UNIT_TYPE" val="h_a"/>
+  <p:tag name="KSO_WM_UNIT_INDEX" val="2_1"/>
+  <p:tag name="KSO_WM_UNIT_ID" val="256*h_a*2_1"/>
+  <p:tag name="KSO_WM_UNIT_CLEAR" val="1"/>
+  <p:tag name="KSO_WM_UNIT_LAYERLEVEL" val="1_1"/>
+  <p:tag name="KSO_WM_UNIT_VALUE" val="13"/>
+  <p:tag name="KSO_WM_UNIT_HIGHLIGHT" val="0"/>
+  <p:tag name="KSO_WM_UNIT_COMPATIBLE" val="0"/>
+  <p:tag name="KSO_WM_UNIT_PRESET_TEXT_INDEX" val="3"/>
+  <p:tag name="KSO_WM_UNIT_PRESET_TEXT_LEN" val="12"/>
+  <p:tag name="KSO_WM_BEAUTIFY_FLAG" val="#wm#"/>
+  <p:tag name="KSO_WM_TAG_VERSION" val="1.0"/>
+</p:tagLst>
+</file>
+
+<file path=ppt/tags/tag401.xml><?xml version="1.0" encoding="utf-8"?>
+<p:tagLst xmlns:p="http://schemas.openxmlformats.org/presentationml/2006/main">
+  <p:tag name="KSO_WM_UNIT_INDEX" val="1_4"/>
+  <p:tag name="KSO_WM_UNIT_CLEAR" val="1"/>
+  <p:tag name="KSO_WM_UNIT_LAYERLEVEL" val="1_1"/>
+  <p:tag name="KSO_WM_BEAUTIFY_FLAG" val="#wm#"/>
+  <p:tag name="KSO_WM_UNIT_TYPE" val="i"/>
+  <p:tag name="KSO_WM_UNIT_ID" val="diagram9091_1*i*16"/>
+  <p:tag name="KSO_WM_TEMPLATE_CATEGORY" val="diagram"/>
+  <p:tag name="KSO_WM_TEMPLATE_INDEX" val="9091"/>
+  <p:tag name="KSO_WM_TAG_VERSION" val="1.0"/>
+</p:tagLst>
+</file>
+
+<file path=ppt/tags/tag402.xml><?xml version="1.0" encoding="utf-8"?>
+<p:tagLst xmlns:p="http://schemas.openxmlformats.org/presentationml/2006/main">
+  <p:tag name="KSO_WM_TEMPLATE_CATEGORY" val="diagram"/>
+  <p:tag name="KSO_WM_TEMPLATE_INDEX" val="9091"/>
+  <p:tag name="KSO_WM_UNIT_TYPE" val="h_f"/>
+  <p:tag name="KSO_WM_UNIT_INDEX" val="2_1"/>
+  <p:tag name="KSO_WM_UNIT_ID" val="256*h_f*2_1"/>
+  <p:tag name="KSO_WM_UNIT_CLEAR" val="1"/>
+  <p:tag name="KSO_WM_UNIT_LAYERLEVEL" val="1_1"/>
+  <p:tag name="KSO_WM_UNIT_VALUE" val="52"/>
+  <p:tag name="KSO_WM_UNIT_HIGHLIGHT" val="0"/>
+  <p:tag name="KSO_WM_UNIT_COMPATIBLE" val="0"/>
+  <p:tag name="KSO_WM_UNIT_PRESET_TEXT_INDEX" val="3"/>
+  <p:tag name="KSO_WM_UNIT_PRESET_TEXT_LEN" val="72"/>
+  <p:tag name="KSO_WM_BEAUTIFY_FLAG" val="#wm#"/>
+  <p:tag name="KSO_WM_TAG_VERSION" val="1.0"/>
+</p:tagLst>
+</file>
+
+<file path=ppt/tags/tag403.xml><?xml version="1.0" encoding="utf-8"?>
+<p:tagLst xmlns:p="http://schemas.openxmlformats.org/presentationml/2006/main">
+  <p:tag name="KSO_WM_TEMPLATE_CATEGORY" val="diagram"/>
+  <p:tag name="KSO_WM_TEMPLATE_INDEX" val="9091"/>
+  <p:tag name="KSO_WM_UNIT_TYPE" val="a"/>
+  <p:tag name="KSO_WM_UNIT_INDEX" val="1"/>
+  <p:tag name="KSO_WM_UNIT_ID" val="256*a*1"/>
+  <p:tag name="KSO_WM_UNIT_CLEAR" val="1"/>
+  <p:tag name="KSO_WM_UNIT_LAYERLEVEL" val="1"/>
+  <p:tag name="KSO_WM_UNIT_VALUE" val="10"/>
+  <p:tag name="KSO_WM_UNIT_ISCONTENTSTITLE" val="0"/>
+  <p:tag name="KSO_WM_UNIT_HIGHLIGHT" val="0"/>
+  <p:tag name="KSO_WM_UNIT_COMPATIBLE" val="0"/>
+  <p:tag name="KSO_WM_BEAUTIFY_FLAG" val="#wm#"/>
+  <p:tag name="KSO_WM_UNIT_PRESET_TEXT_INDEX" val="3"/>
+  <p:tag name="KSO_WM_UNIT_PRESET_TEXT_LEN" val="17"/>
+  <p:tag name="KSO_WM_TAG_VERSION" val="1.0"/>
+</p:tagLst>
+</file>
+
+<file path=ppt/tags/tag404.xml><?xml version="1.0" encoding="utf-8"?>
+<p:tagLst xmlns:p="http://schemas.openxmlformats.org/presentationml/2006/main">
+  <p:tag name="KSO_WM_SLIDE_ID" val="diagram9091_1"/>
+  <p:tag name="KSO_WM_TEMPLATE_SUBCATEGORY" val="0"/>
+  <p:tag name="KSO_WM_SLIDE_TYPE" val="text"/>
+  <p:tag name="KSO_WM_SLIDE_SUBTYPE" val="pureTxt"/>
+  <p:tag name="KSO_WM_SLIDE_ITEM_CNT" val="2"/>
+  <p:tag name="KSO_WM_SLIDE_INDEX" val="1"/>
+  <p:tag name="KSO_WM_SLIDE_SIZE" val="642*387"/>
+  <p:tag name="KSO_WM_SLIDE_POSITION" val="36*119"/>
+  <p:tag name="KSO_WM_TAG_VERSION" val="1.0"/>
+  <p:tag name="KSO_WM_BEAUTIFY_FLAG" val="#wm#"/>
+  <p:tag name="KSO_WM_TEMPLATE_CATEGORY" val="diagram"/>
+  <p:tag name="KSO_WM_TEMPLATE_INDEX" val="9091"/>
+  <p:tag name="KSO_WM_SLIDE_LAYOUT" val="a_d_h"/>
+  <p:tag name="KSO_WM_SLIDE_LAYOUT_CNT" val="1_2_2"/>
+</p:tagLst>
+</file>
+
+<file path=ppt/tags/tag405.xml><?xml version="1.0" encoding="utf-8"?>
+<p:tagLst xmlns:p="http://schemas.openxmlformats.org/presentationml/2006/main">
   <p:tag name="KSO_WM_UNIT_HIGHLIGHT" val="0"/>
   <p:tag name="KSO_WM_UNIT_COMPATIBLE" val="0"/>
   <p:tag name="KSO_WM_UNIT_DIAGRAM_ISNUMVISUAL" val="0"/>
@@ -45405,7 +45673,7 @@
 </p:tagLst>
 </file>
 
-<file path=ppt/tags/tag401.xml><?xml version="1.0" encoding="utf-8"?>
+<file path=ppt/tags/tag406.xml><?xml version="1.0" encoding="utf-8"?>
 <p:tagLst xmlns:p="http://schemas.openxmlformats.org/presentationml/2006/main">
   <p:tag name="KSO_WM_UNIT_HIGHLIGHT" val="0"/>
   <p:tag name="KSO_WM_UNIT_COMPATIBLE" val="0"/>
@@ -45422,7 +45690,7 @@
 </p:tagLst>
 </file>
 
-<file path=ppt/tags/tag402.xml><?xml version="1.0" encoding="utf-8"?>
+<file path=ppt/tags/tag407.xml><?xml version="1.0" encoding="utf-8"?>
 <p:tagLst xmlns:p="http://schemas.openxmlformats.org/presentationml/2006/main">
   <p:tag name="KSO_WM_UNIT_HIGHLIGHT" val="0"/>
   <p:tag name="KSO_WM_UNIT_COMPATIBLE" val="0"/>
@@ -45439,7 +45707,7 @@
 </p:tagLst>
 </file>
 
-<file path=ppt/tags/tag403.xml><?xml version="1.0" encoding="utf-8"?>
+<file path=ppt/tags/tag408.xml><?xml version="1.0" encoding="utf-8"?>
 <p:tagLst xmlns:p="http://schemas.openxmlformats.org/presentationml/2006/main">
   <p:tag name="KSO_WM_UNIT_HIGHLIGHT" val="0"/>
   <p:tag name="KSO_WM_UNIT_COMPATIBLE" val="0"/>
@@ -45456,7 +45724,7 @@
 </p:tagLst>
 </file>
 
-<file path=ppt/tags/tag404.xml><?xml version="1.0" encoding="utf-8"?>
+<file path=ppt/tags/tag409.xml><?xml version="1.0" encoding="utf-8"?>
 <p:tagLst xmlns:p="http://schemas.openxmlformats.org/presentationml/2006/main">
   <p:tag name="KSO_WM_UNIT_TEXT_PART_ID_V2" val="d-4-1"/>
   <p:tag name="KSO_WM_UNIT_PRESET_TEXT" val="此处添加小标题：&#13;点击此处添加正文，文字是您思想的提炼，为了最终演示发布的良好效果，请尽量言简意赅的阐述观点。&#13;此处添加小标题：&#13;点击此处添加正文，文字是您思想的提炼，为了最终演示发布的良好效果，请尽量言简意赅的阐述观点；根据需要可酌情增减文字，以便观者可以准确理解您所传达的信息。&#13;此处添加小标题：&#13;您的正文已经简明扼要，字字珠玑，但信息却千丝万缕、错综复杂，需要用更多的文字来表述；但请您尽可能提炼思想的精髓，恰如其分的表达观点，往往可以事半功倍。&#13;为了能让您有更直观的字数感受，并进一步方便使用，我们为您标注了最适合的位置。您输入的文字到这里时，就是最佳视觉效果。&#13;此处添加小标题：&#13;点击此处添加正文，文字是您思想的提炼，为了最终演示发布的良好效果，请尽量言简意赅的阐述观点；根据需要可酌情增减文字，以便观者可以准确理解您所传达的信息。"/>
@@ -45477,7 +45745,20 @@
 </p:tagLst>
 </file>
 
-<file path=ppt/tags/tag405.xml><?xml version="1.0" encoding="utf-8"?>
+<file path=ppt/tags/tag41.xml><?xml version="1.0" encoding="utf-8"?>
+<p:tagLst xmlns:p="http://schemas.openxmlformats.org/presentationml/2006/main">
+  <p:tag name="KSO_WM_UNIT_HIGHLIGHT" val="0"/>
+  <p:tag name="KSO_WM_UNIT_COMPATIBLE" val="0"/>
+  <p:tag name="KSO_WM_UNIT_DIAGRAM_ISNUMVISUAL" val="0"/>
+  <p:tag name="KSO_WM_UNIT_DIAGRAM_ISREFERUNIT" val="0"/>
+  <p:tag name="KSO_WM_UNIT_ID" val="_1**"/>
+  <p:tag name="KSO_WM_UNIT_LAYERLEVEL" val="1"/>
+  <p:tag name="KSO_WM_TAG_VERSION" val="1.0"/>
+  <p:tag name="KSO_WM_BEAUTIFY_FLAG" val="#wm#"/>
+</p:tagLst>
+</file>
+
+<file path=ppt/tags/tag410.xml><?xml version="1.0" encoding="utf-8"?>
 <p:tagLst xmlns:p="http://schemas.openxmlformats.org/presentationml/2006/main">
   <p:tag name="KSO_WM_UNIT_ISCONTENTSTITLE" val="0"/>
   <p:tag name="KSO_WM_UNIT_PRESET_TEXT" val="此处可添加您的大标题内容"/>
@@ -45501,7 +45782,7 @@
 </p:tagLst>
 </file>
 
-<file path=ppt/tags/tag406.xml><?xml version="1.0" encoding="utf-8"?>
+<file path=ppt/tags/tag411.xml><?xml version="1.0" encoding="utf-8"?>
 <p:tagLst xmlns:p="http://schemas.openxmlformats.org/presentationml/2006/main">
   <p:tag name="KSO_WM_SLIDE_ID" val="diagram20194764_1"/>
   <p:tag name="KSO_WM_TEMPLATE_SUBCATEGORY" val="0"/>
@@ -45520,7 +45801,7 @@
 </p:tagLst>
 </file>
 
-<file path=ppt/tags/tag407.xml><?xml version="1.0" encoding="utf-8"?>
+<file path=ppt/tags/tag412.xml><?xml version="1.0" encoding="utf-8"?>
 <p:tagLst xmlns:p="http://schemas.openxmlformats.org/presentationml/2006/main">
   <p:tag name="KSO_WM_UNIT_HIGHLIGHT" val="0"/>
   <p:tag name="KSO_WM_UNIT_COMPATIBLE" val="0"/>
@@ -45540,7 +45821,7 @@
 </p:tagLst>
 </file>
 
-<file path=ppt/tags/tag408.xml><?xml version="1.0" encoding="utf-8"?>
+<file path=ppt/tags/tag413.xml><?xml version="1.0" encoding="utf-8"?>
 <p:tagLst xmlns:p="http://schemas.openxmlformats.org/presentationml/2006/main">
   <p:tag name="KSO_WM_UNIT_HIGHLIGHT" val="0"/>
   <p:tag name="KSO_WM_UNIT_COMPATIBLE" val="0"/>
@@ -45561,7 +45842,7 @@
 </p:tagLst>
 </file>
 
-<file path=ppt/tags/tag409.xml><?xml version="1.0" encoding="utf-8"?>
+<file path=ppt/tags/tag414.xml><?xml version="1.0" encoding="utf-8"?>
 <p:tagLst xmlns:p="http://schemas.openxmlformats.org/presentationml/2006/main">
   <p:tag name="KSO_WM_UNIT_HIGHLIGHT" val="0"/>
   <p:tag name="KSO_WM_UNIT_COMPATIBLE" val="0"/>
@@ -45581,20 +45862,7 @@
 </p:tagLst>
 </file>
 
-<file path=ppt/tags/tag41.xml><?xml version="1.0" encoding="utf-8"?>
-<p:tagLst xmlns:p="http://schemas.openxmlformats.org/presentationml/2006/main">
-  <p:tag name="KSO_WM_UNIT_HIGHLIGHT" val="0"/>
-  <p:tag name="KSO_WM_UNIT_COMPATIBLE" val="0"/>
-  <p:tag name="KSO_WM_UNIT_DIAGRAM_ISNUMVISUAL" val="0"/>
-  <p:tag name="KSO_WM_UNIT_DIAGRAM_ISREFERUNIT" val="0"/>
-  <p:tag name="KSO_WM_UNIT_ID" val="_1**"/>
-  <p:tag name="KSO_WM_UNIT_LAYERLEVEL" val="1"/>
-  <p:tag name="KSO_WM_TAG_VERSION" val="1.0"/>
-  <p:tag name="KSO_WM_BEAUTIFY_FLAG" val="#wm#"/>
-</p:tagLst>
-</file>
-
-<file path=ppt/tags/tag410.xml><?xml version="1.0" encoding="utf-8"?>
+<file path=ppt/tags/tag415.xml><?xml version="1.0" encoding="utf-8"?>
 <p:tagLst xmlns:p="http://schemas.openxmlformats.org/presentationml/2006/main">
   <p:tag name="KSO_WM_UNIT_HIGHLIGHT" val="0"/>
   <p:tag name="KSO_WM_UNIT_COMPATIBLE" val="0"/>
@@ -45614,7 +45882,7 @@
 </p:tagLst>
 </file>
 
-<file path=ppt/tags/tag411.xml><?xml version="1.0" encoding="utf-8"?>
+<file path=ppt/tags/tag416.xml><?xml version="1.0" encoding="utf-8"?>
 <p:tagLst xmlns:p="http://schemas.openxmlformats.org/presentationml/2006/main">
   <p:tag name="KSO_WM_UNIT_ISCONTENTSTITLE" val="0"/>
   <p:tag name="KSO_WM_UNIT_PRESET_TEXT" val="单击添加大标题"/>
@@ -45639,7 +45907,7 @@
 </p:tagLst>
 </file>
 
-<file path=ppt/tags/tag412.xml><?xml version="1.0" encoding="utf-8"?>
+<file path=ppt/tags/tag417.xml><?xml version="1.0" encoding="utf-8"?>
 <p:tagLst xmlns:p="http://schemas.openxmlformats.org/presentationml/2006/main">
   <p:tag name="KSO_WM_UNIT_PRESET_TEXT" val="点击此处添加正文，文字是您思想的提炼，请言简意赅的阐述观点。&#13;您的正文已经字字珠玑，但信息却错综复杂，需要用更多的文字来表述。&#13;恰如其分的表达观点，往往可以事半功倍。"/>
   <p:tag name="KSO_WM_UNIT_TEXT_PART_ID" val="1-d"/>
@@ -45664,7 +45932,7 @@
 </p:tagLst>
 </file>
 
-<file path=ppt/tags/tag413.xml><?xml version="1.0" encoding="utf-8"?>
+<file path=ppt/tags/tag418.xml><?xml version="1.0" encoding="utf-8"?>
 <p:tagLst xmlns:p="http://schemas.openxmlformats.org/presentationml/2006/main">
   <p:tag name="KSO_WM_SLIDE_MODEL_TYPE" val="cover"/>
   <p:tag name="KSO_WM_SLIDE_ID" val="diagram20191450_1"/>
@@ -45685,7 +45953,7 @@
 </p:tagLst>
 </file>
 
-<file path=ppt/tags/tag414.xml><?xml version="1.0" encoding="utf-8"?>
+<file path=ppt/tags/tag419.xml><?xml version="1.0" encoding="utf-8"?>
 <p:tagLst xmlns:p="http://schemas.openxmlformats.org/presentationml/2006/main">
   <p:tag name="KSO_WM_UNIT_LARGE_SHAPE" val="1"/>
   <p:tag name="KSO_WM_UNIT_HIGHLIGHT" val="0"/>
@@ -45706,7 +45974,20 @@
 </p:tagLst>
 </file>
 
-<file path=ppt/tags/tag415.xml><?xml version="1.0" encoding="utf-8"?>
+<file path=ppt/tags/tag42.xml><?xml version="1.0" encoding="utf-8"?>
+<p:tagLst xmlns:p="http://schemas.openxmlformats.org/presentationml/2006/main">
+  <p:tag name="KSO_WM_UNIT_HIGHLIGHT" val="0"/>
+  <p:tag name="KSO_WM_UNIT_COMPATIBLE" val="0"/>
+  <p:tag name="KSO_WM_UNIT_DIAGRAM_ISNUMVISUAL" val="0"/>
+  <p:tag name="KSO_WM_UNIT_DIAGRAM_ISREFERUNIT" val="0"/>
+  <p:tag name="KSO_WM_UNIT_ID" val="_1**"/>
+  <p:tag name="KSO_WM_UNIT_LAYERLEVEL" val="1"/>
+  <p:tag name="KSO_WM_TAG_VERSION" val="1.0"/>
+  <p:tag name="KSO_WM_BEAUTIFY_FLAG" val="#wm#"/>
+</p:tagLst>
+</file>
+
+<file path=ppt/tags/tag420.xml><?xml version="1.0" encoding="utf-8"?>
 <p:tagLst xmlns:p="http://schemas.openxmlformats.org/presentationml/2006/main">
   <p:tag name="KSO_WM_UNIT_LARGE_SHAPE" val="1"/>
   <p:tag name="KSO_WM_UNIT_HIGHLIGHT" val="0"/>
@@ -45728,7 +46009,7 @@
 </p:tagLst>
 </file>
 
-<file path=ppt/tags/tag416.xml><?xml version="1.0" encoding="utf-8"?>
+<file path=ppt/tags/tag421.xml><?xml version="1.0" encoding="utf-8"?>
 <p:tagLst xmlns:p="http://schemas.openxmlformats.org/presentationml/2006/main">
   <p:tag name="KSO_WM_UNIT_HIGHLIGHT" val="0"/>
   <p:tag name="KSO_WM_UNIT_COMPATIBLE" val="0"/>
@@ -45748,7 +46029,7 @@
 </p:tagLst>
 </file>
 
-<file path=ppt/tags/tag417.xml><?xml version="1.0" encoding="utf-8"?>
+<file path=ppt/tags/tag422.xml><?xml version="1.0" encoding="utf-8"?>
 <p:tagLst xmlns:p="http://schemas.openxmlformats.org/presentationml/2006/main">
   <p:tag name="KSO_WM_UNIT_HIGHLIGHT" val="0"/>
   <p:tag name="KSO_WM_UNIT_COMPATIBLE" val="0"/>
@@ -45768,7 +46049,7 @@
 </p:tagLst>
 </file>
 
-<file path=ppt/tags/tag418.xml><?xml version="1.0" encoding="utf-8"?>
+<file path=ppt/tags/tag423.xml><?xml version="1.0" encoding="utf-8"?>
 <p:tagLst xmlns:p="http://schemas.openxmlformats.org/presentationml/2006/main">
   <p:tag name="KSO_WM_UNIT_PRESET_TEXT" val="点击此处添加正文，文字是您思想的提炼，为了演示发布的良好效果，请言简意赅的阐述您的观点。&#13;您的正文已经经简明扼要，字字珠玑，但信息却千丝万缕、错综复杂，需要用更多的文字来表述；但请您尽可能提炼思想的精髓，否则容易造成观者的阅读压力，适得其反。&#13;正如我们都希望改变世界，希望给别人带去光明，但更多时候我们只需要播下一颗种子，自然有微风吹拂，雨露滋养。恰如其分的表达观点，往往事半功倍。&#13;为了能让您有更直观的字数感受，并进一步方便使用，我们为您标注了最适合的位置。您输入的文字到这里时，就是最佳视觉效果，请您务必注意。"/>
   <p:tag name="KSO_WM_UNIT_TEXT_PART_ID" val="4-d"/>
@@ -45793,7 +46074,7 @@
 </p:tagLst>
 </file>
 
-<file path=ppt/tags/tag419.xml><?xml version="1.0" encoding="utf-8"?>
+<file path=ppt/tags/tag424.xml><?xml version="1.0" encoding="utf-8"?>
 <p:tagLst xmlns:p="http://schemas.openxmlformats.org/presentationml/2006/main">
   <p:tag name="KSO_WM_UNIT_ISCONTENTSTITLE" val="0"/>
   <p:tag name="KSO_WM_UNIT_PRESET_TEXT" val="单击添加大标题"/>
@@ -45818,20 +46099,7 @@
 </p:tagLst>
 </file>
 
-<file path=ppt/tags/tag42.xml><?xml version="1.0" encoding="utf-8"?>
-<p:tagLst xmlns:p="http://schemas.openxmlformats.org/presentationml/2006/main">
-  <p:tag name="KSO_WM_UNIT_HIGHLIGHT" val="0"/>
-  <p:tag name="KSO_WM_UNIT_COMPATIBLE" val="0"/>
-  <p:tag name="KSO_WM_UNIT_DIAGRAM_ISNUMVISUAL" val="0"/>
-  <p:tag name="KSO_WM_UNIT_DIAGRAM_ISREFERUNIT" val="0"/>
-  <p:tag name="KSO_WM_UNIT_ID" val="_1**"/>
-  <p:tag name="KSO_WM_UNIT_LAYERLEVEL" val="1"/>
-  <p:tag name="KSO_WM_TAG_VERSION" val="1.0"/>
-  <p:tag name="KSO_WM_BEAUTIFY_FLAG" val="#wm#"/>
-</p:tagLst>
-</file>
-
-<file path=ppt/tags/tag420.xml><?xml version="1.0" encoding="utf-8"?>
+<file path=ppt/tags/tag425.xml><?xml version="1.0" encoding="utf-8"?>
 <p:tagLst xmlns:p="http://schemas.openxmlformats.org/presentationml/2006/main">
   <p:tag name="KSO_WM_UNIT_VALUE" val="735*1108"/>
   <p:tag name="KSO_WM_UNIT_HIGHLIGHT" val="0"/>
@@ -45853,7 +46121,7 @@
 </p:tagLst>
 </file>
 
-<file path=ppt/tags/tag421.xml><?xml version="1.0" encoding="utf-8"?>
+<file path=ppt/tags/tag426.xml><?xml version="1.0" encoding="utf-8"?>
 <p:tagLst xmlns:p="http://schemas.openxmlformats.org/presentationml/2006/main">
   <p:tag name="KSO_WM_SLIDE_ID" val="diagram20191389_1"/>
   <p:tag name="KSO_WM_SLIDE_ITEM_CNT" val="0"/>
@@ -45874,7 +46142,7 @@
 </p:tagLst>
 </file>
 
-<file path=ppt/tags/tag422.xml><?xml version="1.0" encoding="utf-8"?>
+<file path=ppt/tags/tag427.xml><?xml version="1.0" encoding="utf-8"?>
 <p:tagLst xmlns:p="http://schemas.openxmlformats.org/presentationml/2006/main">
   <p:tag name="KSO_WM_DOC_GUID" val="{25a867f2-b5a3-4823-89ef-34f26e48c336}"/>
 </p:tagLst>
